--- a/pics/2022-09-12-Markov_Chebyshev_Inequality/pics.pptx
+++ b/pics/2022-09-12-Markov_Chebyshev_Inequality/pics.pptx
@@ -6,6 +6,7 @@
   </p:sldMasterIdLst>
   <p:sldIdLst>
     <p:sldId id="256" r:id="rId2"/>
+    <p:sldId id="257" r:id="rId3"/>
   </p:sldIdLst>
   <p:sldSz cx="12192000" cy="6858000"/>
   <p:notesSz cx="6858000" cy="9144000"/>
@@ -104,6 +105,11 @@
       </a:defRPr>
     </a:lvl9pPr>
   </p:defaultTextStyle>
+  <p:extLst>
+    <p:ext uri="{EFAFB233-063F-42B5-8137-9DF3F51BA10A}">
+      <p15:sldGuideLst xmlns:p15="http://schemas.microsoft.com/office/powerpoint/2012/main"/>
+    </p:ext>
+  </p:extLst>
 </p:presentation>
 </file>
 
@@ -254,7 +260,7 @@
           <a:p>
             <a:fld id="{27C983AE-7C74-4A66-8F6D-5C0A90E3ED26}" type="datetimeFigureOut">
               <a:rPr lang="ko-KR" altLang="en-US" smtClean="0"/>
-              <a:t>2022-09-17</a:t>
+              <a:t>2022-09-27</a:t>
             </a:fld>
             <a:endParaRPr lang="ko-KR" altLang="en-US"/>
           </a:p>
@@ -452,7 +458,7 @@
           <a:p>
             <a:fld id="{27C983AE-7C74-4A66-8F6D-5C0A90E3ED26}" type="datetimeFigureOut">
               <a:rPr lang="ko-KR" altLang="en-US" smtClean="0"/>
-              <a:t>2022-09-17</a:t>
+              <a:t>2022-09-27</a:t>
             </a:fld>
             <a:endParaRPr lang="ko-KR" altLang="en-US"/>
           </a:p>
@@ -660,7 +666,7 @@
           <a:p>
             <a:fld id="{27C983AE-7C74-4A66-8F6D-5C0A90E3ED26}" type="datetimeFigureOut">
               <a:rPr lang="ko-KR" altLang="en-US" smtClean="0"/>
-              <a:t>2022-09-17</a:t>
+              <a:t>2022-09-27</a:t>
             </a:fld>
             <a:endParaRPr lang="ko-KR" altLang="en-US"/>
           </a:p>
@@ -858,7 +864,7 @@
           <a:p>
             <a:fld id="{27C983AE-7C74-4A66-8F6D-5C0A90E3ED26}" type="datetimeFigureOut">
               <a:rPr lang="ko-KR" altLang="en-US" smtClean="0"/>
-              <a:t>2022-09-17</a:t>
+              <a:t>2022-09-27</a:t>
             </a:fld>
             <a:endParaRPr lang="ko-KR" altLang="en-US"/>
           </a:p>
@@ -1133,7 +1139,7 @@
           <a:p>
             <a:fld id="{27C983AE-7C74-4A66-8F6D-5C0A90E3ED26}" type="datetimeFigureOut">
               <a:rPr lang="ko-KR" altLang="en-US" smtClean="0"/>
-              <a:t>2022-09-17</a:t>
+              <a:t>2022-09-27</a:t>
             </a:fld>
             <a:endParaRPr lang="ko-KR" altLang="en-US"/>
           </a:p>
@@ -1398,7 +1404,7 @@
           <a:p>
             <a:fld id="{27C983AE-7C74-4A66-8F6D-5C0A90E3ED26}" type="datetimeFigureOut">
               <a:rPr lang="ko-KR" altLang="en-US" smtClean="0"/>
-              <a:t>2022-09-17</a:t>
+              <a:t>2022-09-27</a:t>
             </a:fld>
             <a:endParaRPr lang="ko-KR" altLang="en-US"/>
           </a:p>
@@ -1810,7 +1816,7 @@
           <a:p>
             <a:fld id="{27C983AE-7C74-4A66-8F6D-5C0A90E3ED26}" type="datetimeFigureOut">
               <a:rPr lang="ko-KR" altLang="en-US" smtClean="0"/>
-              <a:t>2022-09-17</a:t>
+              <a:t>2022-09-27</a:t>
             </a:fld>
             <a:endParaRPr lang="ko-KR" altLang="en-US"/>
           </a:p>
@@ -1951,7 +1957,7 @@
           <a:p>
             <a:fld id="{27C983AE-7C74-4A66-8F6D-5C0A90E3ED26}" type="datetimeFigureOut">
               <a:rPr lang="ko-KR" altLang="en-US" smtClean="0"/>
-              <a:t>2022-09-17</a:t>
+              <a:t>2022-09-27</a:t>
             </a:fld>
             <a:endParaRPr lang="ko-KR" altLang="en-US"/>
           </a:p>
@@ -2064,7 +2070,7 @@
           <a:p>
             <a:fld id="{27C983AE-7C74-4A66-8F6D-5C0A90E3ED26}" type="datetimeFigureOut">
               <a:rPr lang="ko-KR" altLang="en-US" smtClean="0"/>
-              <a:t>2022-09-17</a:t>
+              <a:t>2022-09-27</a:t>
             </a:fld>
             <a:endParaRPr lang="ko-KR" altLang="en-US"/>
           </a:p>
@@ -2375,7 +2381,7 @@
           <a:p>
             <a:fld id="{27C983AE-7C74-4A66-8F6D-5C0A90E3ED26}" type="datetimeFigureOut">
               <a:rPr lang="ko-KR" altLang="en-US" smtClean="0"/>
-              <a:t>2022-09-17</a:t>
+              <a:t>2022-09-27</a:t>
             </a:fld>
             <a:endParaRPr lang="ko-KR" altLang="en-US"/>
           </a:p>
@@ -2663,7 +2669,7 @@
           <a:p>
             <a:fld id="{27C983AE-7C74-4A66-8F6D-5C0A90E3ED26}" type="datetimeFigureOut">
               <a:rPr lang="ko-KR" altLang="en-US" smtClean="0"/>
-              <a:t>2022-09-17</a:t>
+              <a:t>2022-09-27</a:t>
             </a:fld>
             <a:endParaRPr lang="ko-KR" altLang="en-US"/>
           </a:p>
@@ -2904,7 +2910,7 @@
           <a:p>
             <a:fld id="{27C983AE-7C74-4A66-8F6D-5C0A90E3ED26}" type="datetimeFigureOut">
               <a:rPr lang="ko-KR" altLang="en-US" smtClean="0"/>
-              <a:t>2022-09-17</a:t>
+              <a:t>2022-09-27</a:t>
             </a:fld>
             <a:endParaRPr lang="ko-KR" altLang="en-US"/>
           </a:p>
@@ -4507,8 +4513,8 @@
           </a:fontRef>
         </p:style>
       </p:cxnSp>
-      <mc:AlternateContent xmlns:mc="http://schemas.openxmlformats.org/markup-compatibility/2006">
-        <mc:Choice xmlns:a14="http://schemas.microsoft.com/office/drawing/2010/main" Requires="a14">
+      <mc:AlternateContent xmlns:mc="http://schemas.openxmlformats.org/markup-compatibility/2006" xmlns:a14="http://schemas.microsoft.com/office/drawing/2010/main">
+        <mc:Choice Requires="a14">
           <p:sp>
             <p:nvSpPr>
               <p:cNvPr id="14" name="TextBox 13">
@@ -4537,6 +4543,7 @@
               </a:bodyPr>
               <a:lstStyle/>
               <a:p>
+                <a:pPr/>
                 <a14:m>
                   <m:oMathPara xmlns:m="http://schemas.openxmlformats.org/officeDocument/2006/math">
                     <m:oMathParaPr>
@@ -4557,7 +4564,7 @@
             </p:txBody>
           </p:sp>
         </mc:Choice>
-        <mc:Fallback>
+        <mc:Fallback xmlns="">
           <p:sp>
             <p:nvSpPr>
               <p:cNvPr id="14" name="TextBox 13">
@@ -4647,8 +4654,8 @@
           </a:fontRef>
         </p:style>
       </p:cxnSp>
-      <mc:AlternateContent xmlns:mc="http://schemas.openxmlformats.org/markup-compatibility/2006">
-        <mc:Choice xmlns:a14="http://schemas.microsoft.com/office/drawing/2010/main" Requires="a14">
+      <mc:AlternateContent xmlns:mc="http://schemas.openxmlformats.org/markup-compatibility/2006" xmlns:a14="http://schemas.microsoft.com/office/drawing/2010/main">
+        <mc:Choice Requires="a14">
           <p:sp>
             <p:nvSpPr>
               <p:cNvPr id="17" name="TextBox 16">
@@ -4677,6 +4684,7 @@
               </a:bodyPr>
               <a:lstStyle/>
               <a:p>
+                <a:pPr/>
                 <a14:m>
                   <m:oMathPara xmlns:m="http://schemas.openxmlformats.org/officeDocument/2006/math">
                     <m:oMathParaPr>
@@ -4715,7 +4723,7 @@
             </p:txBody>
           </p:sp>
         </mc:Choice>
-        <mc:Fallback>
+        <mc:Fallback xmlns="">
           <p:sp>
             <p:nvSpPr>
               <p:cNvPr id="17" name="TextBox 16">
@@ -4805,8 +4813,8 @@
           </a:fontRef>
         </p:style>
       </p:cxnSp>
-      <mc:AlternateContent xmlns:mc="http://schemas.openxmlformats.org/markup-compatibility/2006">
-        <mc:Choice xmlns:a14="http://schemas.microsoft.com/office/drawing/2010/main" Requires="a14">
+      <mc:AlternateContent xmlns:mc="http://schemas.openxmlformats.org/markup-compatibility/2006" xmlns:a14="http://schemas.microsoft.com/office/drawing/2010/main">
+        <mc:Choice Requires="a14">
           <p:sp>
             <p:nvSpPr>
               <p:cNvPr id="19" name="TextBox 18">
@@ -4835,6 +4843,7 @@
               </a:bodyPr>
               <a:lstStyle/>
               <a:p>
+                <a:pPr/>
                 <a14:m>
                   <m:oMathPara xmlns:m="http://schemas.openxmlformats.org/officeDocument/2006/math">
                     <m:oMathParaPr>
@@ -4855,7 +4864,7 @@
             </p:txBody>
           </p:sp>
         </mc:Choice>
-        <mc:Fallback>
+        <mc:Fallback xmlns="">
           <p:sp>
             <p:nvSpPr>
               <p:cNvPr id="19" name="TextBox 18">
@@ -4900,8 +4909,8 @@
           </p:sp>
         </mc:Fallback>
       </mc:AlternateContent>
-      <mc:AlternateContent xmlns:mc="http://schemas.openxmlformats.org/markup-compatibility/2006">
-        <mc:Choice xmlns:a14="http://schemas.microsoft.com/office/drawing/2010/main" Requires="a14">
+      <mc:AlternateContent xmlns:mc="http://schemas.openxmlformats.org/markup-compatibility/2006" xmlns:a14="http://schemas.microsoft.com/office/drawing/2010/main">
+        <mc:Choice Requires="a14">
           <p:sp>
             <p:nvSpPr>
               <p:cNvPr id="22" name="TextBox 21">
@@ -4930,6 +4939,7 @@
               </a:bodyPr>
               <a:lstStyle/>
               <a:p>
+                <a:pPr/>
                 <a14:m>
                   <m:oMathPara xmlns:m="http://schemas.openxmlformats.org/officeDocument/2006/math">
                     <m:oMathParaPr>
@@ -4979,7 +4989,7 @@
             </p:txBody>
           </p:sp>
         </mc:Choice>
-        <mc:Fallback>
+        <mc:Fallback xmlns="">
           <p:sp>
             <p:nvSpPr>
               <p:cNvPr id="22" name="TextBox 21">
@@ -5069,8 +5079,8 @@
           </a:fontRef>
         </p:style>
       </p:cxnSp>
-      <mc:AlternateContent xmlns:mc="http://schemas.openxmlformats.org/markup-compatibility/2006">
-        <mc:Choice xmlns:a14="http://schemas.microsoft.com/office/drawing/2010/main" Requires="a14">
+      <mc:AlternateContent xmlns:mc="http://schemas.openxmlformats.org/markup-compatibility/2006" xmlns:a14="http://schemas.microsoft.com/office/drawing/2010/main">
+        <mc:Choice Requires="a14">
           <p:sp>
             <p:nvSpPr>
               <p:cNvPr id="33" name="TextBox 32">
@@ -5186,7 +5196,7 @@
             </p:txBody>
           </p:sp>
         </mc:Choice>
-        <mc:Fallback>
+        <mc:Fallback xmlns="">
           <p:sp>
             <p:nvSpPr>
               <p:cNvPr id="33" name="TextBox 32">
@@ -5231,10 +5241,2550 @@
           </p:sp>
         </mc:Fallback>
       </mc:AlternateContent>
+      <mc:AlternateContent xmlns:mc="http://schemas.openxmlformats.org/markup-compatibility/2006" xmlns:a14="http://schemas.microsoft.com/office/drawing/2010/main">
+        <mc:Choice Requires="a14">
+          <p:sp>
+            <p:nvSpPr>
+              <p:cNvPr id="2" name="TextBox 1">
+                <a:extLst>
+                  <a:ext uri="{FF2B5EF4-FFF2-40B4-BE49-F238E27FC236}">
+                    <a16:creationId xmlns:a16="http://schemas.microsoft.com/office/drawing/2014/main" id="{867E77F2-D6A0-CB66-BAE6-12FB74A38C45}"/>
+                  </a:ext>
+                </a:extLst>
+              </p:cNvPr>
+              <p:cNvSpPr txBox="1"/>
+              <p:nvPr/>
+            </p:nvSpPr>
+            <p:spPr>
+              <a:xfrm>
+                <a:off x="2927265" y="4151024"/>
+                <a:ext cx="466474" cy="461665"/>
+              </a:xfrm>
+              <a:prstGeom prst="rect">
+                <a:avLst/>
+              </a:prstGeom>
+              <a:noFill/>
+            </p:spPr>
+            <p:txBody>
+              <a:bodyPr wrap="none" rtlCol="0">
+                <a:spAutoFit/>
+              </a:bodyPr>
+              <a:lstStyle/>
+              <a:p>
+                <a:pPr/>
+                <a14:m>
+                  <m:oMathPara xmlns:m="http://schemas.openxmlformats.org/officeDocument/2006/math">
+                    <m:oMathParaPr>
+                      <m:jc m:val="centerGroup"/>
+                    </m:oMathParaPr>
+                    <m:oMath xmlns:m="http://schemas.openxmlformats.org/officeDocument/2006/math">
+                      <m:r>
+                        <a:rPr lang="en-US" altLang="ko-KR" sz="2400" b="0" i="1" smtClean="0">
+                          <a:latin typeface="Cambria Math" panose="02040503050406030204" pitchFamily="18" charset="0"/>
+                        </a:rPr>
+                        <m:t>0</m:t>
+                      </m:r>
+                    </m:oMath>
+                  </m:oMathPara>
+                </a14:m>
+                <a:endParaRPr lang="ko-KR" altLang="en-US" sz="2400" dirty="0"/>
+              </a:p>
+            </p:txBody>
+          </p:sp>
+        </mc:Choice>
+        <mc:Fallback xmlns="">
+          <p:sp>
+            <p:nvSpPr>
+              <p:cNvPr id="2" name="TextBox 1">
+                <a:extLst>
+                  <a:ext uri="{FF2B5EF4-FFF2-40B4-BE49-F238E27FC236}">
+                    <a16:creationId xmlns:a16="http://schemas.microsoft.com/office/drawing/2014/main" id="{867E77F2-D6A0-CB66-BAE6-12FB74A38C45}"/>
+                  </a:ext>
+                </a:extLst>
+              </p:cNvPr>
+              <p:cNvSpPr txBox="1">
+                <a:spLocks noRot="1" noChangeAspect="1" noMove="1" noResize="1" noEditPoints="1" noAdjustHandles="1" noChangeArrowheads="1" noChangeShapeType="1" noTextEdit="1"/>
+              </p:cNvSpPr>
+              <p:nvPr/>
+            </p:nvSpPr>
+            <p:spPr>
+              <a:xfrm>
+                <a:off x="2927265" y="4151024"/>
+                <a:ext cx="466474" cy="461665"/>
+              </a:xfrm>
+              <a:prstGeom prst="rect">
+                <a:avLst/>
+              </a:prstGeom>
+              <a:blipFill>
+                <a:blip r:embed="rId7"/>
+                <a:stretch>
+                  <a:fillRect/>
+                </a:stretch>
+              </a:blipFill>
+            </p:spPr>
+            <p:txBody>
+              <a:bodyPr/>
+              <a:lstStyle/>
+              <a:p>
+                <a:r>
+                  <a:rPr lang="en-US">
+                    <a:noFill/>
+                  </a:rPr>
+                  <a:t> </a:t>
+                </a:r>
+              </a:p>
+            </p:txBody>
+          </p:sp>
+        </mc:Fallback>
+      </mc:AlternateContent>
     </p:spTree>
     <p:extLst>
       <p:ext uri="{BB962C8B-B14F-4D97-AF65-F5344CB8AC3E}">
         <p14:creationId xmlns:p14="http://schemas.microsoft.com/office/powerpoint/2010/main" val="827375044"/>
+      </p:ext>
+    </p:extLst>
+  </p:cSld>
+  <p:clrMapOvr>
+    <a:masterClrMapping/>
+  </p:clrMapOvr>
+</p:sld>
+</file>
+
+<file path=ppt/slides/slide2.xml><?xml version="1.0" encoding="utf-8"?>
+<p:sld xmlns:a="http://schemas.openxmlformats.org/drawingml/2006/main" xmlns:r="http://schemas.openxmlformats.org/officeDocument/2006/relationships" xmlns:p="http://schemas.openxmlformats.org/presentationml/2006/main">
+  <p:cSld>
+    <p:spTree>
+      <p:nvGrpSpPr>
+        <p:cNvPr id="1" name=""/>
+        <p:cNvGrpSpPr/>
+        <p:nvPr/>
+      </p:nvGrpSpPr>
+      <p:grpSpPr>
+        <a:xfrm>
+          <a:off x="0" y="0"/>
+          <a:ext cx="0" cy="0"/>
+          <a:chOff x="0" y="0"/>
+          <a:chExt cx="0" cy="0"/>
+        </a:xfrm>
+      </p:grpSpPr>
+      <p:cxnSp>
+        <p:nvCxnSpPr>
+          <p:cNvPr id="6" name="직선 화살표 연결선 11">
+            <a:extLst>
+              <a:ext uri="{FF2B5EF4-FFF2-40B4-BE49-F238E27FC236}">
+                <a16:creationId xmlns:a16="http://schemas.microsoft.com/office/drawing/2014/main" id="{9C079CF2-273D-A812-2F24-DB60E9AB6028}"/>
+              </a:ext>
+            </a:extLst>
+          </p:cNvPr>
+          <p:cNvCxnSpPr/>
+          <p:nvPr/>
+        </p:nvCxnSpPr>
+        <p:spPr>
+          <a:xfrm>
+            <a:off x="2288131" y="4032692"/>
+            <a:ext cx="6373401" cy="0"/>
+          </a:xfrm>
+          <a:prstGeom prst="straightConnector1">
+            <a:avLst/>
+          </a:prstGeom>
+          <a:ln w="28575">
+            <a:tailEnd type="triangle"/>
+          </a:ln>
+        </p:spPr>
+        <p:style>
+          <a:lnRef idx="1">
+            <a:schemeClr val="dk1"/>
+          </a:lnRef>
+          <a:fillRef idx="0">
+            <a:schemeClr val="dk1"/>
+          </a:fillRef>
+          <a:effectRef idx="0">
+            <a:schemeClr val="dk1"/>
+          </a:effectRef>
+          <a:fontRef idx="minor">
+            <a:schemeClr val="tx1"/>
+          </a:fontRef>
+        </p:style>
+      </p:cxnSp>
+      <mc:AlternateContent xmlns:mc="http://schemas.openxmlformats.org/markup-compatibility/2006">
+        <mc:Choice xmlns:a14="http://schemas.microsoft.com/office/drawing/2010/main" Requires="a14">
+          <p:sp>
+            <p:nvSpPr>
+              <p:cNvPr id="7" name="TextBox 6">
+                <a:extLst>
+                  <a:ext uri="{FF2B5EF4-FFF2-40B4-BE49-F238E27FC236}">
+                    <a16:creationId xmlns:a16="http://schemas.microsoft.com/office/drawing/2014/main" id="{AEB1E550-0B08-CCA1-E8D2-AA0E7E5C2324}"/>
+                  </a:ext>
+                </a:extLst>
+              </p:cNvPr>
+              <p:cNvSpPr txBox="1"/>
+              <p:nvPr/>
+            </p:nvSpPr>
+            <p:spPr>
+              <a:xfrm>
+                <a:off x="8509387" y="4036724"/>
+                <a:ext cx="466474" cy="461665"/>
+              </a:xfrm>
+              <a:prstGeom prst="rect">
+                <a:avLst/>
+              </a:prstGeom>
+              <a:noFill/>
+            </p:spPr>
+            <p:txBody>
+              <a:bodyPr wrap="none" rtlCol="0">
+                <a:spAutoFit/>
+              </a:bodyPr>
+              <a:lstStyle/>
+              <a:p>
+                <a:pPr/>
+                <a14:m>
+                  <m:oMathPara xmlns:m="http://schemas.openxmlformats.org/officeDocument/2006/math">
+                    <m:oMathParaPr>
+                      <m:jc m:val="centerGroup"/>
+                    </m:oMathParaPr>
+                    <m:oMath xmlns:m="http://schemas.openxmlformats.org/officeDocument/2006/math">
+                      <m:r>
+                        <a:rPr lang="en-US" altLang="ko-KR" sz="2400" b="0" i="1" smtClean="0">
+                          <a:latin typeface="Cambria Math" panose="02040503050406030204" pitchFamily="18" charset="0"/>
+                        </a:rPr>
+                        <m:t>𝑥</m:t>
+                      </m:r>
+                    </m:oMath>
+                  </m:oMathPara>
+                </a14:m>
+                <a:endParaRPr lang="ko-KR" altLang="en-US" sz="2400" dirty="0"/>
+              </a:p>
+            </p:txBody>
+          </p:sp>
+        </mc:Choice>
+        <mc:Fallback>
+          <p:sp>
+            <p:nvSpPr>
+              <p:cNvPr id="7" name="TextBox 6">
+                <a:extLst>
+                  <a:ext uri="{FF2B5EF4-FFF2-40B4-BE49-F238E27FC236}">
+                    <a16:creationId xmlns:a16="http://schemas.microsoft.com/office/drawing/2014/main" id="{AEB1E550-0B08-CCA1-E8D2-AA0E7E5C2324}"/>
+                  </a:ext>
+                </a:extLst>
+              </p:cNvPr>
+              <p:cNvSpPr txBox="1">
+                <a:spLocks noRot="1" noChangeAspect="1" noMove="1" noResize="1" noEditPoints="1" noAdjustHandles="1" noChangeArrowheads="1" noChangeShapeType="1" noTextEdit="1"/>
+              </p:cNvSpPr>
+              <p:nvPr/>
+            </p:nvSpPr>
+            <p:spPr>
+              <a:xfrm>
+                <a:off x="8509387" y="4036724"/>
+                <a:ext cx="466474" cy="461665"/>
+              </a:xfrm>
+              <a:prstGeom prst="rect">
+                <a:avLst/>
+              </a:prstGeom>
+              <a:blipFill>
+                <a:blip r:embed="rId2"/>
+                <a:stretch>
+                  <a:fillRect/>
+                </a:stretch>
+              </a:blipFill>
+            </p:spPr>
+            <p:txBody>
+              <a:bodyPr/>
+              <a:lstStyle/>
+              <a:p>
+                <a:r>
+                  <a:rPr lang="en-US">
+                    <a:noFill/>
+                  </a:rPr>
+                  <a:t> </a:t>
+                </a:r>
+              </a:p>
+            </p:txBody>
+          </p:sp>
+        </mc:Fallback>
+      </mc:AlternateContent>
+      <mc:AlternateContent xmlns:mc="http://schemas.openxmlformats.org/markup-compatibility/2006">
+        <mc:Choice xmlns:a14="http://schemas.microsoft.com/office/drawing/2010/main" Requires="a14">
+          <p:sp>
+            <p:nvSpPr>
+              <p:cNvPr id="14" name="TextBox 13">
+                <a:extLst>
+                  <a:ext uri="{FF2B5EF4-FFF2-40B4-BE49-F238E27FC236}">
+                    <a16:creationId xmlns:a16="http://schemas.microsoft.com/office/drawing/2014/main" id="{654A4B62-A794-6FD6-D62D-35B22944A121}"/>
+                  </a:ext>
+                </a:extLst>
+              </p:cNvPr>
+              <p:cNvSpPr txBox="1"/>
+              <p:nvPr/>
+            </p:nvSpPr>
+            <p:spPr>
+              <a:xfrm>
+                <a:off x="3397799" y="4702844"/>
+                <a:ext cx="5091324" cy="461665"/>
+              </a:xfrm>
+              <a:prstGeom prst="rect">
+                <a:avLst/>
+              </a:prstGeom>
+              <a:noFill/>
+            </p:spPr>
+            <p:txBody>
+              <a:bodyPr wrap="square">
+                <a:spAutoFit/>
+              </a:bodyPr>
+              <a:lstStyle/>
+              <a:p>
+                <a:pPr/>
+                <a14:m>
+                  <m:oMathPara xmlns:m="http://schemas.openxmlformats.org/officeDocument/2006/math">
+                    <m:oMathParaPr>
+                      <m:jc m:val="centerGroup"/>
+                    </m:oMathParaPr>
+                    <m:oMath xmlns:m="http://schemas.openxmlformats.org/officeDocument/2006/math">
+                      <m:r>
+                        <a:rPr lang="en-US" altLang="ko-KR" sz="2400" b="0" i="1" smtClean="0">
+                          <a:latin typeface="Cambria Math" panose="02040503050406030204" pitchFamily="18" charset="0"/>
+                        </a:rPr>
+                        <m:t>𝑃</m:t>
+                      </m:r>
+                      <m:d>
+                        <m:dPr>
+                          <m:ctrlPr>
+                            <a:rPr lang="en-US" altLang="ko-KR" sz="2400" b="0" i="1" smtClean="0">
+                              <a:latin typeface="Cambria Math" panose="02040503050406030204" pitchFamily="18" charset="0"/>
+                            </a:rPr>
+                          </m:ctrlPr>
+                        </m:dPr>
+                        <m:e>
+                          <m:d>
+                            <m:dPr>
+                              <m:begChr m:val="|"/>
+                              <m:endChr m:val="|"/>
+                              <m:ctrlPr>
+                                <a:rPr lang="en-US" altLang="ko-KR" sz="2400" b="0" i="1" smtClean="0">
+                                  <a:latin typeface="Cambria Math" panose="02040503050406030204" pitchFamily="18" charset="0"/>
+                                </a:rPr>
+                              </m:ctrlPr>
+                            </m:dPr>
+                            <m:e>
+                              <m:r>
+                                <a:rPr lang="en-US" altLang="ko-KR" sz="2400" b="0" i="1" smtClean="0">
+                                  <a:latin typeface="Cambria Math" panose="02040503050406030204" pitchFamily="18" charset="0"/>
+                                </a:rPr>
+                                <m:t>𝑋</m:t>
+                              </m:r>
+                              <m:r>
+                                <a:rPr lang="en-US" altLang="ko-KR" sz="2400" b="0" i="1" smtClean="0">
+                                  <a:latin typeface="Cambria Math" panose="02040503050406030204" pitchFamily="18" charset="0"/>
+                                </a:rPr>
+                                <m:t>−</m:t>
+                              </m:r>
+                              <m:r>
+                                <a:rPr lang="en-US" altLang="ko-KR" sz="2400" b="0" i="1" smtClean="0">
+                                  <a:latin typeface="Cambria Math" panose="02040503050406030204" pitchFamily="18" charset="0"/>
+                                </a:rPr>
+                                <m:t>𝐸</m:t>
+                              </m:r>
+                              <m:d>
+                                <m:dPr>
+                                  <m:begChr m:val="["/>
+                                  <m:endChr m:val="]"/>
+                                  <m:ctrlPr>
+                                    <a:rPr lang="en-US" altLang="ko-KR" sz="2400" b="0" i="1" smtClean="0">
+                                      <a:latin typeface="Cambria Math" panose="02040503050406030204" pitchFamily="18" charset="0"/>
+                                    </a:rPr>
+                                  </m:ctrlPr>
+                                </m:dPr>
+                                <m:e>
+                                  <m:r>
+                                    <a:rPr lang="en-US" altLang="ko-KR" sz="2400" b="0" i="1" smtClean="0">
+                                      <a:latin typeface="Cambria Math" panose="02040503050406030204" pitchFamily="18" charset="0"/>
+                                    </a:rPr>
+                                    <m:t>𝑋</m:t>
+                                  </m:r>
+                                </m:e>
+                              </m:d>
+                            </m:e>
+                          </m:d>
+                          <m:r>
+                            <a:rPr lang="en-US" altLang="ko-KR" sz="2400" b="0" i="1" smtClean="0">
+                              <a:latin typeface="Cambria Math" panose="02040503050406030204" pitchFamily="18" charset="0"/>
+                            </a:rPr>
+                            <m:t>&gt;</m:t>
+                          </m:r>
+                          <m:r>
+                            <a:rPr lang="en-US" altLang="ko-KR" sz="2400" b="0" i="1" smtClean="0">
+                              <a:latin typeface="Cambria Math" panose="02040503050406030204" pitchFamily="18" charset="0"/>
+                            </a:rPr>
+                            <m:t>𝛼</m:t>
+                          </m:r>
+                        </m:e>
+                      </m:d>
+                      <m:r>
+                        <a:rPr lang="en-US" altLang="ko-KR" sz="2400" b="0" i="1" smtClean="0">
+                          <a:latin typeface="Cambria Math" panose="02040503050406030204" pitchFamily="18" charset="0"/>
+                        </a:rPr>
+                        <m:t>≤</m:t>
+                      </m:r>
+                      <m:r>
+                        <a:rPr lang="en-US" altLang="ko-KR" sz="2400" b="0" i="1" smtClean="0">
+                          <a:latin typeface="Cambria Math" panose="02040503050406030204" pitchFamily="18" charset="0"/>
+                        </a:rPr>
+                        <m:t>𝑉𝑎𝑟</m:t>
+                      </m:r>
+                      <m:r>
+                        <a:rPr lang="en-US" altLang="ko-KR" sz="2400" b="0" i="1" smtClean="0">
+                          <a:latin typeface="Cambria Math" panose="02040503050406030204" pitchFamily="18" charset="0"/>
+                        </a:rPr>
+                        <m:t>[</m:t>
+                      </m:r>
+                      <m:r>
+                        <a:rPr lang="en-US" altLang="ko-KR" sz="2400" b="0" i="1" smtClean="0">
+                          <a:latin typeface="Cambria Math" panose="02040503050406030204" pitchFamily="18" charset="0"/>
+                        </a:rPr>
+                        <m:t>𝑋</m:t>
+                      </m:r>
+                      <m:r>
+                        <a:rPr lang="en-US" altLang="ko-KR" sz="2400" b="0" i="1" smtClean="0">
+                          <a:latin typeface="Cambria Math" panose="02040503050406030204" pitchFamily="18" charset="0"/>
+                        </a:rPr>
+                        <m:t>]/</m:t>
+                      </m:r>
+                      <m:sSup>
+                        <m:sSupPr>
+                          <m:ctrlPr>
+                            <a:rPr lang="en-US" altLang="ko-KR" sz="2400" b="0" i="1" smtClean="0">
+                              <a:latin typeface="Cambria Math" panose="02040503050406030204" pitchFamily="18" charset="0"/>
+                            </a:rPr>
+                          </m:ctrlPr>
+                        </m:sSupPr>
+                        <m:e>
+                          <m:r>
+                            <a:rPr lang="en-US" altLang="ko-KR" sz="2400" b="0" i="1" smtClean="0">
+                              <a:latin typeface="Cambria Math" panose="02040503050406030204" pitchFamily="18" charset="0"/>
+                            </a:rPr>
+                            <m:t>𝛼</m:t>
+                          </m:r>
+                        </m:e>
+                        <m:sup>
+                          <m:r>
+                            <a:rPr lang="en-US" altLang="ko-KR" sz="2400" b="0" i="1" smtClean="0">
+                              <a:latin typeface="Cambria Math" panose="02040503050406030204" pitchFamily="18" charset="0"/>
+                            </a:rPr>
+                            <m:t>2</m:t>
+                          </m:r>
+                        </m:sup>
+                      </m:sSup>
+                    </m:oMath>
+                  </m:oMathPara>
+                </a14:m>
+                <a:endParaRPr lang="ko-KR" altLang="en-US" sz="2400" dirty="0"/>
+              </a:p>
+            </p:txBody>
+          </p:sp>
+        </mc:Choice>
+        <mc:Fallback>
+          <p:sp>
+            <p:nvSpPr>
+              <p:cNvPr id="14" name="TextBox 13">
+                <a:extLst>
+                  <a:ext uri="{FF2B5EF4-FFF2-40B4-BE49-F238E27FC236}">
+                    <a16:creationId xmlns:a16="http://schemas.microsoft.com/office/drawing/2014/main" id="{654A4B62-A794-6FD6-D62D-35B22944A121}"/>
+                  </a:ext>
+                </a:extLst>
+              </p:cNvPr>
+              <p:cNvSpPr txBox="1">
+                <a:spLocks noRot="1" noChangeAspect="1" noMove="1" noResize="1" noEditPoints="1" noAdjustHandles="1" noChangeArrowheads="1" noChangeShapeType="1" noTextEdit="1"/>
+              </p:cNvSpPr>
+              <p:nvPr/>
+            </p:nvSpPr>
+            <p:spPr>
+              <a:xfrm>
+                <a:off x="3397799" y="4702844"/>
+                <a:ext cx="5091324" cy="461665"/>
+              </a:xfrm>
+              <a:prstGeom prst="rect">
+                <a:avLst/>
+              </a:prstGeom>
+              <a:blipFill>
+                <a:blip r:embed="rId3"/>
+                <a:stretch>
+                  <a:fillRect b="-19737"/>
+                </a:stretch>
+              </a:blipFill>
+            </p:spPr>
+            <p:txBody>
+              <a:bodyPr/>
+              <a:lstStyle/>
+              <a:p>
+                <a:r>
+                  <a:rPr lang="en-US">
+                    <a:noFill/>
+                  </a:rPr>
+                  <a:t> </a:t>
+                </a:r>
+              </a:p>
+            </p:txBody>
+          </p:sp>
+        </mc:Fallback>
+      </mc:AlternateContent>
+      <p:grpSp>
+        <p:nvGrpSpPr>
+          <p:cNvPr id="25" name="Group 24">
+            <a:extLst>
+              <a:ext uri="{FF2B5EF4-FFF2-40B4-BE49-F238E27FC236}">
+                <a16:creationId xmlns:a16="http://schemas.microsoft.com/office/drawing/2014/main" id="{3FCACCF3-205A-9239-B054-4480AA55B16B}"/>
+              </a:ext>
+            </a:extLst>
+          </p:cNvPr>
+          <p:cNvGrpSpPr/>
+          <p:nvPr/>
+        </p:nvGrpSpPr>
+        <p:grpSpPr>
+          <a:xfrm>
+            <a:off x="2288131" y="2633603"/>
+            <a:ext cx="6200992" cy="1401105"/>
+            <a:chOff x="3756797" y="1068465"/>
+            <a:chExt cx="4140200" cy="2987675"/>
+          </a:xfrm>
+        </p:grpSpPr>
+        <p:sp>
+          <p:nvSpPr>
+            <p:cNvPr id="23" name="Freeform 6">
+              <a:extLst>
+                <a:ext uri="{FF2B5EF4-FFF2-40B4-BE49-F238E27FC236}">
+                  <a16:creationId xmlns:a16="http://schemas.microsoft.com/office/drawing/2014/main" id="{6745681A-272D-685C-BF70-60CA27F3D366}"/>
+                </a:ext>
+              </a:extLst>
+            </p:cNvPr>
+            <p:cNvSpPr>
+              <a:spLocks/>
+            </p:cNvSpPr>
+            <p:nvPr/>
+          </p:nvSpPr>
+          <p:spPr bwMode="auto">
+            <a:xfrm>
+              <a:off x="3756797" y="1068465"/>
+              <a:ext cx="4140200" cy="2987675"/>
+            </a:xfrm>
+            <a:custGeom>
+              <a:avLst/>
+              <a:gdLst>
+                <a:gd name="T0" fmla="*/ 26 w 2608"/>
+                <a:gd name="T1" fmla="*/ 1882 h 1882"/>
+                <a:gd name="T2" fmla="*/ 79 w 2608"/>
+                <a:gd name="T3" fmla="*/ 1882 h 1882"/>
+                <a:gd name="T4" fmla="*/ 132 w 2608"/>
+                <a:gd name="T5" fmla="*/ 1882 h 1882"/>
+                <a:gd name="T6" fmla="*/ 184 w 2608"/>
+                <a:gd name="T7" fmla="*/ 1882 h 1882"/>
+                <a:gd name="T8" fmla="*/ 237 w 2608"/>
+                <a:gd name="T9" fmla="*/ 1882 h 1882"/>
+                <a:gd name="T10" fmla="*/ 290 w 2608"/>
+                <a:gd name="T11" fmla="*/ 1882 h 1882"/>
+                <a:gd name="T12" fmla="*/ 342 w 2608"/>
+                <a:gd name="T13" fmla="*/ 1882 h 1882"/>
+                <a:gd name="T14" fmla="*/ 395 w 2608"/>
+                <a:gd name="T15" fmla="*/ 1880 h 1882"/>
+                <a:gd name="T16" fmla="*/ 448 w 2608"/>
+                <a:gd name="T17" fmla="*/ 1877 h 1882"/>
+                <a:gd name="T18" fmla="*/ 501 w 2608"/>
+                <a:gd name="T19" fmla="*/ 1871 h 1882"/>
+                <a:gd name="T20" fmla="*/ 553 w 2608"/>
+                <a:gd name="T21" fmla="*/ 1860 h 1882"/>
+                <a:gd name="T22" fmla="*/ 606 w 2608"/>
+                <a:gd name="T23" fmla="*/ 1839 h 1882"/>
+                <a:gd name="T24" fmla="*/ 659 w 2608"/>
+                <a:gd name="T25" fmla="*/ 1804 h 1882"/>
+                <a:gd name="T26" fmla="*/ 711 w 2608"/>
+                <a:gd name="T27" fmla="*/ 1746 h 1882"/>
+                <a:gd name="T28" fmla="*/ 764 w 2608"/>
+                <a:gd name="T29" fmla="*/ 1658 h 1882"/>
+                <a:gd name="T30" fmla="*/ 817 w 2608"/>
+                <a:gd name="T31" fmla="*/ 1533 h 1882"/>
+                <a:gd name="T32" fmla="*/ 869 w 2608"/>
+                <a:gd name="T33" fmla="*/ 1365 h 1882"/>
+                <a:gd name="T34" fmla="*/ 922 w 2608"/>
+                <a:gd name="T35" fmla="*/ 1155 h 1882"/>
+                <a:gd name="T36" fmla="*/ 975 w 2608"/>
+                <a:gd name="T37" fmla="*/ 913 h 1882"/>
+                <a:gd name="T38" fmla="*/ 1028 w 2608"/>
+                <a:gd name="T39" fmla="*/ 654 h 1882"/>
+                <a:gd name="T40" fmla="*/ 1080 w 2608"/>
+                <a:gd name="T41" fmla="*/ 406 h 1882"/>
+                <a:gd name="T42" fmla="*/ 1133 w 2608"/>
+                <a:gd name="T43" fmla="*/ 198 h 1882"/>
+                <a:gd name="T44" fmla="*/ 1186 w 2608"/>
+                <a:gd name="T45" fmla="*/ 56 h 1882"/>
+                <a:gd name="T46" fmla="*/ 1238 w 2608"/>
+                <a:gd name="T47" fmla="*/ 0 h 1882"/>
+                <a:gd name="T48" fmla="*/ 1291 w 2608"/>
+                <a:gd name="T49" fmla="*/ 33 h 1882"/>
+                <a:gd name="T50" fmla="*/ 1344 w 2608"/>
+                <a:gd name="T51" fmla="*/ 146 h 1882"/>
+                <a:gd name="T52" fmla="*/ 1397 w 2608"/>
+                <a:gd name="T53" fmla="*/ 312 h 1882"/>
+                <a:gd name="T54" fmla="*/ 1449 w 2608"/>
+                <a:gd name="T55" fmla="*/ 496 h 1882"/>
+                <a:gd name="T56" fmla="*/ 1502 w 2608"/>
+                <a:gd name="T57" fmla="*/ 661 h 1882"/>
+                <a:gd name="T58" fmla="*/ 1555 w 2608"/>
+                <a:gd name="T59" fmla="*/ 774 h 1882"/>
+                <a:gd name="T60" fmla="*/ 1607 w 2608"/>
+                <a:gd name="T61" fmla="*/ 816 h 1882"/>
+                <a:gd name="T62" fmla="*/ 1660 w 2608"/>
+                <a:gd name="T63" fmla="*/ 779 h 1882"/>
+                <a:gd name="T64" fmla="*/ 1713 w 2608"/>
+                <a:gd name="T65" fmla="*/ 676 h 1882"/>
+                <a:gd name="T66" fmla="*/ 1765 w 2608"/>
+                <a:gd name="T67" fmla="*/ 528 h 1882"/>
+                <a:gd name="T68" fmla="*/ 1818 w 2608"/>
+                <a:gd name="T69" fmla="*/ 371 h 1882"/>
+                <a:gd name="T70" fmla="*/ 1871 w 2608"/>
+                <a:gd name="T71" fmla="*/ 239 h 1882"/>
+                <a:gd name="T72" fmla="*/ 1924 w 2608"/>
+                <a:gd name="T73" fmla="*/ 163 h 1882"/>
+                <a:gd name="T74" fmla="*/ 1976 w 2608"/>
+                <a:gd name="T75" fmla="*/ 164 h 1882"/>
+                <a:gd name="T76" fmla="*/ 2029 w 2608"/>
+                <a:gd name="T77" fmla="*/ 246 h 1882"/>
+                <a:gd name="T78" fmla="*/ 2082 w 2608"/>
+                <a:gd name="T79" fmla="*/ 401 h 1882"/>
+                <a:gd name="T80" fmla="*/ 2134 w 2608"/>
+                <a:gd name="T81" fmla="*/ 609 h 1882"/>
+                <a:gd name="T82" fmla="*/ 2187 w 2608"/>
+                <a:gd name="T83" fmla="*/ 843 h 1882"/>
+                <a:gd name="T84" fmla="*/ 2240 w 2608"/>
+                <a:gd name="T85" fmla="*/ 1076 h 1882"/>
+                <a:gd name="T86" fmla="*/ 2292 w 2608"/>
+                <a:gd name="T87" fmla="*/ 1290 h 1882"/>
+                <a:gd name="T88" fmla="*/ 2345 w 2608"/>
+                <a:gd name="T89" fmla="*/ 1468 h 1882"/>
+                <a:gd name="T90" fmla="*/ 2398 w 2608"/>
+                <a:gd name="T91" fmla="*/ 1608 h 1882"/>
+                <a:gd name="T92" fmla="*/ 2451 w 2608"/>
+                <a:gd name="T93" fmla="*/ 1710 h 1882"/>
+                <a:gd name="T94" fmla="*/ 2503 w 2608"/>
+                <a:gd name="T95" fmla="*/ 1779 h 1882"/>
+                <a:gd name="T96" fmla="*/ 2556 w 2608"/>
+                <a:gd name="T97" fmla="*/ 1824 h 1882"/>
+                <a:gd name="T98" fmla="*/ 2608 w 2608"/>
+                <a:gd name="T99" fmla="*/ 1851 h 1882"/>
+              </a:gdLst>
+              <a:ahLst/>
+              <a:cxnLst>
+                <a:cxn ang="0">
+                  <a:pos x="T0" y="T1"/>
+                </a:cxn>
+                <a:cxn ang="0">
+                  <a:pos x="T2" y="T3"/>
+                </a:cxn>
+                <a:cxn ang="0">
+                  <a:pos x="T4" y="T5"/>
+                </a:cxn>
+                <a:cxn ang="0">
+                  <a:pos x="T6" y="T7"/>
+                </a:cxn>
+                <a:cxn ang="0">
+                  <a:pos x="T8" y="T9"/>
+                </a:cxn>
+                <a:cxn ang="0">
+                  <a:pos x="T10" y="T11"/>
+                </a:cxn>
+                <a:cxn ang="0">
+                  <a:pos x="T12" y="T13"/>
+                </a:cxn>
+                <a:cxn ang="0">
+                  <a:pos x="T14" y="T15"/>
+                </a:cxn>
+                <a:cxn ang="0">
+                  <a:pos x="T16" y="T17"/>
+                </a:cxn>
+                <a:cxn ang="0">
+                  <a:pos x="T18" y="T19"/>
+                </a:cxn>
+                <a:cxn ang="0">
+                  <a:pos x="T20" y="T21"/>
+                </a:cxn>
+                <a:cxn ang="0">
+                  <a:pos x="T22" y="T23"/>
+                </a:cxn>
+                <a:cxn ang="0">
+                  <a:pos x="T24" y="T25"/>
+                </a:cxn>
+                <a:cxn ang="0">
+                  <a:pos x="T26" y="T27"/>
+                </a:cxn>
+                <a:cxn ang="0">
+                  <a:pos x="T28" y="T29"/>
+                </a:cxn>
+                <a:cxn ang="0">
+                  <a:pos x="T30" y="T31"/>
+                </a:cxn>
+                <a:cxn ang="0">
+                  <a:pos x="T32" y="T33"/>
+                </a:cxn>
+                <a:cxn ang="0">
+                  <a:pos x="T34" y="T35"/>
+                </a:cxn>
+                <a:cxn ang="0">
+                  <a:pos x="T36" y="T37"/>
+                </a:cxn>
+                <a:cxn ang="0">
+                  <a:pos x="T38" y="T39"/>
+                </a:cxn>
+                <a:cxn ang="0">
+                  <a:pos x="T40" y="T41"/>
+                </a:cxn>
+                <a:cxn ang="0">
+                  <a:pos x="T42" y="T43"/>
+                </a:cxn>
+                <a:cxn ang="0">
+                  <a:pos x="T44" y="T45"/>
+                </a:cxn>
+                <a:cxn ang="0">
+                  <a:pos x="T46" y="T47"/>
+                </a:cxn>
+                <a:cxn ang="0">
+                  <a:pos x="T48" y="T49"/>
+                </a:cxn>
+                <a:cxn ang="0">
+                  <a:pos x="T50" y="T51"/>
+                </a:cxn>
+                <a:cxn ang="0">
+                  <a:pos x="T52" y="T53"/>
+                </a:cxn>
+                <a:cxn ang="0">
+                  <a:pos x="T54" y="T55"/>
+                </a:cxn>
+                <a:cxn ang="0">
+                  <a:pos x="T56" y="T57"/>
+                </a:cxn>
+                <a:cxn ang="0">
+                  <a:pos x="T58" y="T59"/>
+                </a:cxn>
+                <a:cxn ang="0">
+                  <a:pos x="T60" y="T61"/>
+                </a:cxn>
+                <a:cxn ang="0">
+                  <a:pos x="T62" y="T63"/>
+                </a:cxn>
+                <a:cxn ang="0">
+                  <a:pos x="T64" y="T65"/>
+                </a:cxn>
+                <a:cxn ang="0">
+                  <a:pos x="T66" y="T67"/>
+                </a:cxn>
+                <a:cxn ang="0">
+                  <a:pos x="T68" y="T69"/>
+                </a:cxn>
+                <a:cxn ang="0">
+                  <a:pos x="T70" y="T71"/>
+                </a:cxn>
+                <a:cxn ang="0">
+                  <a:pos x="T72" y="T73"/>
+                </a:cxn>
+                <a:cxn ang="0">
+                  <a:pos x="T74" y="T75"/>
+                </a:cxn>
+                <a:cxn ang="0">
+                  <a:pos x="T76" y="T77"/>
+                </a:cxn>
+                <a:cxn ang="0">
+                  <a:pos x="T78" y="T79"/>
+                </a:cxn>
+                <a:cxn ang="0">
+                  <a:pos x="T80" y="T81"/>
+                </a:cxn>
+                <a:cxn ang="0">
+                  <a:pos x="T82" y="T83"/>
+                </a:cxn>
+                <a:cxn ang="0">
+                  <a:pos x="T84" y="T85"/>
+                </a:cxn>
+                <a:cxn ang="0">
+                  <a:pos x="T86" y="T87"/>
+                </a:cxn>
+                <a:cxn ang="0">
+                  <a:pos x="T88" y="T89"/>
+                </a:cxn>
+                <a:cxn ang="0">
+                  <a:pos x="T90" y="T91"/>
+                </a:cxn>
+                <a:cxn ang="0">
+                  <a:pos x="T92" y="T93"/>
+                </a:cxn>
+                <a:cxn ang="0">
+                  <a:pos x="T94" y="T95"/>
+                </a:cxn>
+                <a:cxn ang="0">
+                  <a:pos x="T96" y="T97"/>
+                </a:cxn>
+                <a:cxn ang="0">
+                  <a:pos x="T98" y="T99"/>
+                </a:cxn>
+              </a:cxnLst>
+              <a:rect l="0" t="0" r="r" b="b"/>
+              <a:pathLst>
+                <a:path w="2608" h="1882">
+                  <a:moveTo>
+                    <a:pt x="0" y="1882"/>
+                  </a:moveTo>
+                  <a:lnTo>
+                    <a:pt x="26" y="1882"/>
+                  </a:lnTo>
+                  <a:lnTo>
+                    <a:pt x="53" y="1882"/>
+                  </a:lnTo>
+                  <a:lnTo>
+                    <a:pt x="79" y="1882"/>
+                  </a:lnTo>
+                  <a:lnTo>
+                    <a:pt x="105" y="1882"/>
+                  </a:lnTo>
+                  <a:lnTo>
+                    <a:pt x="132" y="1882"/>
+                  </a:lnTo>
+                  <a:lnTo>
+                    <a:pt x="158" y="1882"/>
+                  </a:lnTo>
+                  <a:lnTo>
+                    <a:pt x="184" y="1882"/>
+                  </a:lnTo>
+                  <a:lnTo>
+                    <a:pt x="211" y="1882"/>
+                  </a:lnTo>
+                  <a:lnTo>
+                    <a:pt x="237" y="1882"/>
+                  </a:lnTo>
+                  <a:lnTo>
+                    <a:pt x="264" y="1882"/>
+                  </a:lnTo>
+                  <a:lnTo>
+                    <a:pt x="290" y="1882"/>
+                  </a:lnTo>
+                  <a:lnTo>
+                    <a:pt x="316" y="1882"/>
+                  </a:lnTo>
+                  <a:lnTo>
+                    <a:pt x="342" y="1882"/>
+                  </a:lnTo>
+                  <a:lnTo>
+                    <a:pt x="369" y="1881"/>
+                  </a:lnTo>
+                  <a:lnTo>
+                    <a:pt x="395" y="1880"/>
+                  </a:lnTo>
+                  <a:lnTo>
+                    <a:pt x="422" y="1879"/>
+                  </a:lnTo>
+                  <a:lnTo>
+                    <a:pt x="448" y="1877"/>
+                  </a:lnTo>
+                  <a:lnTo>
+                    <a:pt x="474" y="1875"/>
+                  </a:lnTo>
+                  <a:lnTo>
+                    <a:pt x="501" y="1871"/>
+                  </a:lnTo>
+                  <a:lnTo>
+                    <a:pt x="527" y="1867"/>
+                  </a:lnTo>
+                  <a:lnTo>
+                    <a:pt x="553" y="1860"/>
+                  </a:lnTo>
+                  <a:lnTo>
+                    <a:pt x="580" y="1851"/>
+                  </a:lnTo>
+                  <a:lnTo>
+                    <a:pt x="606" y="1839"/>
+                  </a:lnTo>
+                  <a:lnTo>
+                    <a:pt x="632" y="1824"/>
+                  </a:lnTo>
+                  <a:lnTo>
+                    <a:pt x="659" y="1804"/>
+                  </a:lnTo>
+                  <a:lnTo>
+                    <a:pt x="685" y="1778"/>
+                  </a:lnTo>
+                  <a:lnTo>
+                    <a:pt x="711" y="1746"/>
+                  </a:lnTo>
+                  <a:lnTo>
+                    <a:pt x="738" y="1707"/>
+                  </a:lnTo>
+                  <a:lnTo>
+                    <a:pt x="764" y="1658"/>
+                  </a:lnTo>
+                  <a:lnTo>
+                    <a:pt x="791" y="1601"/>
+                  </a:lnTo>
+                  <a:lnTo>
+                    <a:pt x="817" y="1533"/>
+                  </a:lnTo>
+                  <a:lnTo>
+                    <a:pt x="843" y="1455"/>
+                  </a:lnTo>
+                  <a:lnTo>
+                    <a:pt x="869" y="1365"/>
+                  </a:lnTo>
+                  <a:lnTo>
+                    <a:pt x="896" y="1265"/>
+                  </a:lnTo>
+                  <a:lnTo>
+                    <a:pt x="922" y="1155"/>
+                  </a:lnTo>
+                  <a:lnTo>
+                    <a:pt x="949" y="1037"/>
+                  </a:lnTo>
+                  <a:lnTo>
+                    <a:pt x="975" y="913"/>
+                  </a:lnTo>
+                  <a:lnTo>
+                    <a:pt x="1001" y="784"/>
+                  </a:lnTo>
+                  <a:lnTo>
+                    <a:pt x="1028" y="654"/>
+                  </a:lnTo>
+                  <a:lnTo>
+                    <a:pt x="1054" y="527"/>
+                  </a:lnTo>
+                  <a:lnTo>
+                    <a:pt x="1080" y="406"/>
+                  </a:lnTo>
+                  <a:lnTo>
+                    <a:pt x="1107" y="295"/>
+                  </a:lnTo>
+                  <a:lnTo>
+                    <a:pt x="1133" y="198"/>
+                  </a:lnTo>
+                  <a:lnTo>
+                    <a:pt x="1159" y="117"/>
+                  </a:lnTo>
+                  <a:lnTo>
+                    <a:pt x="1186" y="56"/>
+                  </a:lnTo>
+                  <a:lnTo>
+                    <a:pt x="1212" y="16"/>
+                  </a:lnTo>
+                  <a:lnTo>
+                    <a:pt x="1238" y="0"/>
+                  </a:lnTo>
+                  <a:lnTo>
+                    <a:pt x="1265" y="6"/>
+                  </a:lnTo>
+                  <a:lnTo>
+                    <a:pt x="1291" y="33"/>
+                  </a:lnTo>
+                  <a:lnTo>
+                    <a:pt x="1318" y="81"/>
+                  </a:lnTo>
+                  <a:lnTo>
+                    <a:pt x="1344" y="146"/>
+                  </a:lnTo>
+                  <a:lnTo>
+                    <a:pt x="1370" y="224"/>
+                  </a:lnTo>
+                  <a:lnTo>
+                    <a:pt x="1397" y="312"/>
+                  </a:lnTo>
+                  <a:lnTo>
+                    <a:pt x="1423" y="404"/>
+                  </a:lnTo>
+                  <a:lnTo>
+                    <a:pt x="1449" y="496"/>
+                  </a:lnTo>
+                  <a:lnTo>
+                    <a:pt x="1475" y="583"/>
+                  </a:lnTo>
+                  <a:lnTo>
+                    <a:pt x="1502" y="661"/>
+                  </a:lnTo>
+                  <a:lnTo>
+                    <a:pt x="1528" y="725"/>
+                  </a:lnTo>
+                  <a:lnTo>
+                    <a:pt x="1555" y="774"/>
+                  </a:lnTo>
+                  <a:lnTo>
+                    <a:pt x="1581" y="805"/>
+                  </a:lnTo>
+                  <a:lnTo>
+                    <a:pt x="1607" y="816"/>
+                  </a:lnTo>
+                  <a:lnTo>
+                    <a:pt x="1634" y="807"/>
+                  </a:lnTo>
+                  <a:lnTo>
+                    <a:pt x="1660" y="779"/>
+                  </a:lnTo>
+                  <a:lnTo>
+                    <a:pt x="1687" y="735"/>
+                  </a:lnTo>
+                  <a:lnTo>
+                    <a:pt x="1713" y="676"/>
+                  </a:lnTo>
+                  <a:lnTo>
+                    <a:pt x="1739" y="605"/>
+                  </a:lnTo>
+                  <a:lnTo>
+                    <a:pt x="1765" y="528"/>
+                  </a:lnTo>
+                  <a:lnTo>
+                    <a:pt x="1792" y="449"/>
+                  </a:lnTo>
+                  <a:lnTo>
+                    <a:pt x="1818" y="371"/>
+                  </a:lnTo>
+                  <a:lnTo>
+                    <a:pt x="1844" y="300"/>
+                  </a:lnTo>
+                  <a:lnTo>
+                    <a:pt x="1871" y="239"/>
+                  </a:lnTo>
+                  <a:lnTo>
+                    <a:pt x="1897" y="193"/>
+                  </a:lnTo>
+                  <a:lnTo>
+                    <a:pt x="1924" y="163"/>
+                  </a:lnTo>
+                  <a:lnTo>
+                    <a:pt x="1950" y="153"/>
+                  </a:lnTo>
+                  <a:lnTo>
+                    <a:pt x="1976" y="164"/>
+                  </a:lnTo>
+                  <a:lnTo>
+                    <a:pt x="2002" y="195"/>
+                  </a:lnTo>
+                  <a:lnTo>
+                    <a:pt x="2029" y="246"/>
+                  </a:lnTo>
+                  <a:lnTo>
+                    <a:pt x="2055" y="316"/>
+                  </a:lnTo>
+                  <a:lnTo>
+                    <a:pt x="2082" y="401"/>
+                  </a:lnTo>
+                  <a:lnTo>
+                    <a:pt x="2108" y="500"/>
+                  </a:lnTo>
+                  <a:lnTo>
+                    <a:pt x="2134" y="609"/>
+                  </a:lnTo>
+                  <a:lnTo>
+                    <a:pt x="2161" y="724"/>
+                  </a:lnTo>
+                  <a:lnTo>
+                    <a:pt x="2187" y="843"/>
+                  </a:lnTo>
+                  <a:lnTo>
+                    <a:pt x="2213" y="961"/>
+                  </a:lnTo>
+                  <a:lnTo>
+                    <a:pt x="2240" y="1076"/>
+                  </a:lnTo>
+                  <a:lnTo>
+                    <a:pt x="2266" y="1187"/>
+                  </a:lnTo>
+                  <a:lnTo>
+                    <a:pt x="2292" y="1290"/>
+                  </a:lnTo>
+                  <a:lnTo>
+                    <a:pt x="2319" y="1384"/>
+                  </a:lnTo>
+                  <a:lnTo>
+                    <a:pt x="2345" y="1468"/>
+                  </a:lnTo>
+                  <a:lnTo>
+                    <a:pt x="2371" y="1543"/>
+                  </a:lnTo>
+                  <a:lnTo>
+                    <a:pt x="2398" y="1608"/>
+                  </a:lnTo>
+                  <a:lnTo>
+                    <a:pt x="2424" y="1664"/>
+                  </a:lnTo>
+                  <a:lnTo>
+                    <a:pt x="2451" y="1710"/>
+                  </a:lnTo>
+                  <a:lnTo>
+                    <a:pt x="2477" y="1748"/>
+                  </a:lnTo>
+                  <a:lnTo>
+                    <a:pt x="2503" y="1779"/>
+                  </a:lnTo>
+                  <a:lnTo>
+                    <a:pt x="2530" y="1805"/>
+                  </a:lnTo>
+                  <a:lnTo>
+                    <a:pt x="2556" y="1824"/>
+                  </a:lnTo>
+                  <a:lnTo>
+                    <a:pt x="2582" y="1839"/>
+                  </a:lnTo>
+                  <a:lnTo>
+                    <a:pt x="2608" y="1851"/>
+                  </a:lnTo>
+                </a:path>
+              </a:pathLst>
+            </a:custGeom>
+            <a:noFill/>
+            <a:ln w="25400" cap="flat">
+              <a:solidFill>
+                <a:srgbClr val="000000"/>
+              </a:solidFill>
+              <a:prstDash val="solid"/>
+              <a:round/>
+              <a:headEnd/>
+              <a:tailEnd/>
+            </a:ln>
+            <a:extLst>
+              <a:ext uri="{909E8E84-426E-40DD-AFC4-6F175D3DCCD1}">
+                <a14:hiddenFill xmlns:a14="http://schemas.microsoft.com/office/drawing/2010/main">
+                  <a:solidFill>
+                    <a:srgbClr val="FFFFFF"/>
+                  </a:solidFill>
+                </a14:hiddenFill>
+              </a:ext>
+            </a:extLst>
+          </p:spPr>
+          <p:txBody>
+            <a:bodyPr vert="horz" wrap="square" lIns="91440" tIns="45720" rIns="91440" bIns="45720" numCol="1" anchor="t" anchorCtr="0" compatLnSpc="1">
+              <a:prstTxWarp prst="textNoShape">
+                <a:avLst/>
+              </a:prstTxWarp>
+            </a:bodyPr>
+            <a:lstStyle/>
+            <a:p>
+              <a:endParaRPr lang="en-US"/>
+            </a:p>
+          </p:txBody>
+        </p:sp>
+        <p:sp>
+          <p:nvSpPr>
+            <p:cNvPr id="24" name="Freeform 7">
+              <a:extLst>
+                <a:ext uri="{FF2B5EF4-FFF2-40B4-BE49-F238E27FC236}">
+                  <a16:creationId xmlns:a16="http://schemas.microsoft.com/office/drawing/2014/main" id="{1E32A7D3-6EA2-78BB-2A6D-52AD0DE7C5EE}"/>
+                </a:ext>
+              </a:extLst>
+            </p:cNvPr>
+            <p:cNvSpPr>
+              <a:spLocks noEditPoints="1"/>
+            </p:cNvSpPr>
+            <p:nvPr/>
+          </p:nvSpPr>
+          <p:spPr bwMode="auto">
+            <a:xfrm>
+              <a:off x="3756797" y="1254203"/>
+              <a:ext cx="4140200" cy="2801937"/>
+            </a:xfrm>
+            <a:custGeom>
+              <a:avLst/>
+              <a:gdLst>
+                <a:gd name="T0" fmla="*/ 26 w 2608"/>
+                <a:gd name="T1" fmla="*/ 1765 h 1765"/>
+                <a:gd name="T2" fmla="*/ 105 w 2608"/>
+                <a:gd name="T3" fmla="*/ 1765 h 1765"/>
+                <a:gd name="T4" fmla="*/ 184 w 2608"/>
+                <a:gd name="T5" fmla="*/ 1765 h 1765"/>
+                <a:gd name="T6" fmla="*/ 264 w 2608"/>
+                <a:gd name="T7" fmla="*/ 1765 h 1765"/>
+                <a:gd name="T8" fmla="*/ 342 w 2608"/>
+                <a:gd name="T9" fmla="*/ 1765 h 1765"/>
+                <a:gd name="T10" fmla="*/ 422 w 2608"/>
+                <a:gd name="T11" fmla="*/ 1765 h 1765"/>
+                <a:gd name="T12" fmla="*/ 501 w 2608"/>
+                <a:gd name="T13" fmla="*/ 1765 h 1765"/>
+                <a:gd name="T14" fmla="*/ 580 w 2608"/>
+                <a:gd name="T15" fmla="*/ 1765 h 1765"/>
+                <a:gd name="T16" fmla="*/ 659 w 2608"/>
+                <a:gd name="T17" fmla="*/ 1765 h 1765"/>
+                <a:gd name="T18" fmla="*/ 738 w 2608"/>
+                <a:gd name="T19" fmla="*/ 1765 h 1765"/>
+                <a:gd name="T20" fmla="*/ 817 w 2608"/>
+                <a:gd name="T21" fmla="*/ 1765 h 1765"/>
+                <a:gd name="T22" fmla="*/ 896 w 2608"/>
+                <a:gd name="T23" fmla="*/ 1765 h 1765"/>
+                <a:gd name="T24" fmla="*/ 975 w 2608"/>
+                <a:gd name="T25" fmla="*/ 1765 h 1765"/>
+                <a:gd name="T26" fmla="*/ 1054 w 2608"/>
+                <a:gd name="T27" fmla="*/ 1765 h 1765"/>
+                <a:gd name="T28" fmla="*/ 1133 w 2608"/>
+                <a:gd name="T29" fmla="*/ 1765 h 1765"/>
+                <a:gd name="T30" fmla="*/ 1133 w 2608"/>
+                <a:gd name="T31" fmla="*/ 81 h 1765"/>
+                <a:gd name="T32" fmla="*/ 1054 w 2608"/>
+                <a:gd name="T33" fmla="*/ 410 h 1765"/>
+                <a:gd name="T34" fmla="*/ 975 w 2608"/>
+                <a:gd name="T35" fmla="*/ 796 h 1765"/>
+                <a:gd name="T36" fmla="*/ 896 w 2608"/>
+                <a:gd name="T37" fmla="*/ 1148 h 1765"/>
+                <a:gd name="T38" fmla="*/ 817 w 2608"/>
+                <a:gd name="T39" fmla="*/ 1416 h 1765"/>
+                <a:gd name="T40" fmla="*/ 738 w 2608"/>
+                <a:gd name="T41" fmla="*/ 1590 h 1765"/>
+                <a:gd name="T42" fmla="*/ 659 w 2608"/>
+                <a:gd name="T43" fmla="*/ 1687 h 1765"/>
+                <a:gd name="T44" fmla="*/ 580 w 2608"/>
+                <a:gd name="T45" fmla="*/ 1734 h 1765"/>
+                <a:gd name="T46" fmla="*/ 501 w 2608"/>
+                <a:gd name="T47" fmla="*/ 1754 h 1765"/>
+                <a:gd name="T48" fmla="*/ 422 w 2608"/>
+                <a:gd name="T49" fmla="*/ 1762 h 1765"/>
+                <a:gd name="T50" fmla="*/ 342 w 2608"/>
+                <a:gd name="T51" fmla="*/ 1765 h 1765"/>
+                <a:gd name="T52" fmla="*/ 264 w 2608"/>
+                <a:gd name="T53" fmla="*/ 1765 h 1765"/>
+                <a:gd name="T54" fmla="*/ 184 w 2608"/>
+                <a:gd name="T55" fmla="*/ 1765 h 1765"/>
+                <a:gd name="T56" fmla="*/ 105 w 2608"/>
+                <a:gd name="T57" fmla="*/ 1765 h 1765"/>
+                <a:gd name="T58" fmla="*/ 26 w 2608"/>
+                <a:gd name="T59" fmla="*/ 1765 h 1765"/>
+                <a:gd name="T60" fmla="*/ 2082 w 2608"/>
+                <a:gd name="T61" fmla="*/ 1765 h 1765"/>
+                <a:gd name="T62" fmla="*/ 2161 w 2608"/>
+                <a:gd name="T63" fmla="*/ 1765 h 1765"/>
+                <a:gd name="T64" fmla="*/ 2240 w 2608"/>
+                <a:gd name="T65" fmla="*/ 1765 h 1765"/>
+                <a:gd name="T66" fmla="*/ 2319 w 2608"/>
+                <a:gd name="T67" fmla="*/ 1765 h 1765"/>
+                <a:gd name="T68" fmla="*/ 2398 w 2608"/>
+                <a:gd name="T69" fmla="*/ 1765 h 1765"/>
+                <a:gd name="T70" fmla="*/ 2477 w 2608"/>
+                <a:gd name="T71" fmla="*/ 1765 h 1765"/>
+                <a:gd name="T72" fmla="*/ 2556 w 2608"/>
+                <a:gd name="T73" fmla="*/ 1765 h 1765"/>
+                <a:gd name="T74" fmla="*/ 2608 w 2608"/>
+                <a:gd name="T75" fmla="*/ 1734 h 1765"/>
+                <a:gd name="T76" fmla="*/ 2530 w 2608"/>
+                <a:gd name="T77" fmla="*/ 1688 h 1765"/>
+                <a:gd name="T78" fmla="*/ 2451 w 2608"/>
+                <a:gd name="T79" fmla="*/ 1593 h 1765"/>
+                <a:gd name="T80" fmla="*/ 2371 w 2608"/>
+                <a:gd name="T81" fmla="*/ 1426 h 1765"/>
+                <a:gd name="T82" fmla="*/ 2292 w 2608"/>
+                <a:gd name="T83" fmla="*/ 1173 h 1765"/>
+                <a:gd name="T84" fmla="*/ 2213 w 2608"/>
+                <a:gd name="T85" fmla="*/ 844 h 1765"/>
+                <a:gd name="T86" fmla="*/ 2134 w 2608"/>
+                <a:gd name="T87" fmla="*/ 492 h 1765"/>
+              </a:gdLst>
+              <a:ahLst/>
+              <a:cxnLst>
+                <a:cxn ang="0">
+                  <a:pos x="T0" y="T1"/>
+                </a:cxn>
+                <a:cxn ang="0">
+                  <a:pos x="T2" y="T3"/>
+                </a:cxn>
+                <a:cxn ang="0">
+                  <a:pos x="T4" y="T5"/>
+                </a:cxn>
+                <a:cxn ang="0">
+                  <a:pos x="T6" y="T7"/>
+                </a:cxn>
+                <a:cxn ang="0">
+                  <a:pos x="T8" y="T9"/>
+                </a:cxn>
+                <a:cxn ang="0">
+                  <a:pos x="T10" y="T11"/>
+                </a:cxn>
+                <a:cxn ang="0">
+                  <a:pos x="T12" y="T13"/>
+                </a:cxn>
+                <a:cxn ang="0">
+                  <a:pos x="T14" y="T15"/>
+                </a:cxn>
+                <a:cxn ang="0">
+                  <a:pos x="T16" y="T17"/>
+                </a:cxn>
+                <a:cxn ang="0">
+                  <a:pos x="T18" y="T19"/>
+                </a:cxn>
+                <a:cxn ang="0">
+                  <a:pos x="T20" y="T21"/>
+                </a:cxn>
+                <a:cxn ang="0">
+                  <a:pos x="T22" y="T23"/>
+                </a:cxn>
+                <a:cxn ang="0">
+                  <a:pos x="T24" y="T25"/>
+                </a:cxn>
+                <a:cxn ang="0">
+                  <a:pos x="T26" y="T27"/>
+                </a:cxn>
+                <a:cxn ang="0">
+                  <a:pos x="T28" y="T29"/>
+                </a:cxn>
+                <a:cxn ang="0">
+                  <a:pos x="T30" y="T31"/>
+                </a:cxn>
+                <a:cxn ang="0">
+                  <a:pos x="T32" y="T33"/>
+                </a:cxn>
+                <a:cxn ang="0">
+                  <a:pos x="T34" y="T35"/>
+                </a:cxn>
+                <a:cxn ang="0">
+                  <a:pos x="T36" y="T37"/>
+                </a:cxn>
+                <a:cxn ang="0">
+                  <a:pos x="T38" y="T39"/>
+                </a:cxn>
+                <a:cxn ang="0">
+                  <a:pos x="T40" y="T41"/>
+                </a:cxn>
+                <a:cxn ang="0">
+                  <a:pos x="T42" y="T43"/>
+                </a:cxn>
+                <a:cxn ang="0">
+                  <a:pos x="T44" y="T45"/>
+                </a:cxn>
+                <a:cxn ang="0">
+                  <a:pos x="T46" y="T47"/>
+                </a:cxn>
+                <a:cxn ang="0">
+                  <a:pos x="T48" y="T49"/>
+                </a:cxn>
+                <a:cxn ang="0">
+                  <a:pos x="T50" y="T51"/>
+                </a:cxn>
+                <a:cxn ang="0">
+                  <a:pos x="T52" y="T53"/>
+                </a:cxn>
+                <a:cxn ang="0">
+                  <a:pos x="T54" y="T55"/>
+                </a:cxn>
+                <a:cxn ang="0">
+                  <a:pos x="T56" y="T57"/>
+                </a:cxn>
+                <a:cxn ang="0">
+                  <a:pos x="T58" y="T59"/>
+                </a:cxn>
+                <a:cxn ang="0">
+                  <a:pos x="T60" y="T61"/>
+                </a:cxn>
+                <a:cxn ang="0">
+                  <a:pos x="T62" y="T63"/>
+                </a:cxn>
+                <a:cxn ang="0">
+                  <a:pos x="T64" y="T65"/>
+                </a:cxn>
+                <a:cxn ang="0">
+                  <a:pos x="T66" y="T67"/>
+                </a:cxn>
+                <a:cxn ang="0">
+                  <a:pos x="T68" y="T69"/>
+                </a:cxn>
+                <a:cxn ang="0">
+                  <a:pos x="T70" y="T71"/>
+                </a:cxn>
+                <a:cxn ang="0">
+                  <a:pos x="T72" y="T73"/>
+                </a:cxn>
+                <a:cxn ang="0">
+                  <a:pos x="T74" y="T75"/>
+                </a:cxn>
+                <a:cxn ang="0">
+                  <a:pos x="T76" y="T77"/>
+                </a:cxn>
+                <a:cxn ang="0">
+                  <a:pos x="T78" y="T79"/>
+                </a:cxn>
+                <a:cxn ang="0">
+                  <a:pos x="T80" y="T81"/>
+                </a:cxn>
+                <a:cxn ang="0">
+                  <a:pos x="T82" y="T83"/>
+                </a:cxn>
+                <a:cxn ang="0">
+                  <a:pos x="T84" y="T85"/>
+                </a:cxn>
+                <a:cxn ang="0">
+                  <a:pos x="T86" y="T87"/>
+                </a:cxn>
+              </a:cxnLst>
+              <a:rect l="0" t="0" r="r" b="b"/>
+              <a:pathLst>
+                <a:path w="2608" h="1765">
+                  <a:moveTo>
+                    <a:pt x="0" y="1765"/>
+                  </a:moveTo>
+                  <a:lnTo>
+                    <a:pt x="0" y="1765"/>
+                  </a:lnTo>
+                  <a:lnTo>
+                    <a:pt x="26" y="1765"/>
+                  </a:lnTo>
+                  <a:lnTo>
+                    <a:pt x="53" y="1765"/>
+                  </a:lnTo>
+                  <a:lnTo>
+                    <a:pt x="79" y="1765"/>
+                  </a:lnTo>
+                  <a:lnTo>
+                    <a:pt x="105" y="1765"/>
+                  </a:lnTo>
+                  <a:lnTo>
+                    <a:pt x="132" y="1765"/>
+                  </a:lnTo>
+                  <a:lnTo>
+                    <a:pt x="158" y="1765"/>
+                  </a:lnTo>
+                  <a:lnTo>
+                    <a:pt x="184" y="1765"/>
+                  </a:lnTo>
+                  <a:lnTo>
+                    <a:pt x="211" y="1765"/>
+                  </a:lnTo>
+                  <a:lnTo>
+                    <a:pt x="237" y="1765"/>
+                  </a:lnTo>
+                  <a:lnTo>
+                    <a:pt x="264" y="1765"/>
+                  </a:lnTo>
+                  <a:lnTo>
+                    <a:pt x="290" y="1765"/>
+                  </a:lnTo>
+                  <a:lnTo>
+                    <a:pt x="316" y="1765"/>
+                  </a:lnTo>
+                  <a:lnTo>
+                    <a:pt x="342" y="1765"/>
+                  </a:lnTo>
+                  <a:lnTo>
+                    <a:pt x="369" y="1765"/>
+                  </a:lnTo>
+                  <a:lnTo>
+                    <a:pt x="395" y="1765"/>
+                  </a:lnTo>
+                  <a:lnTo>
+                    <a:pt x="422" y="1765"/>
+                  </a:lnTo>
+                  <a:lnTo>
+                    <a:pt x="448" y="1765"/>
+                  </a:lnTo>
+                  <a:lnTo>
+                    <a:pt x="474" y="1765"/>
+                  </a:lnTo>
+                  <a:lnTo>
+                    <a:pt x="501" y="1765"/>
+                  </a:lnTo>
+                  <a:lnTo>
+                    <a:pt x="527" y="1765"/>
+                  </a:lnTo>
+                  <a:lnTo>
+                    <a:pt x="553" y="1765"/>
+                  </a:lnTo>
+                  <a:lnTo>
+                    <a:pt x="580" y="1765"/>
+                  </a:lnTo>
+                  <a:lnTo>
+                    <a:pt x="606" y="1765"/>
+                  </a:lnTo>
+                  <a:lnTo>
+                    <a:pt x="632" y="1765"/>
+                  </a:lnTo>
+                  <a:lnTo>
+                    <a:pt x="659" y="1765"/>
+                  </a:lnTo>
+                  <a:lnTo>
+                    <a:pt x="685" y="1765"/>
+                  </a:lnTo>
+                  <a:lnTo>
+                    <a:pt x="711" y="1765"/>
+                  </a:lnTo>
+                  <a:lnTo>
+                    <a:pt x="738" y="1765"/>
+                  </a:lnTo>
+                  <a:lnTo>
+                    <a:pt x="764" y="1765"/>
+                  </a:lnTo>
+                  <a:lnTo>
+                    <a:pt x="791" y="1765"/>
+                  </a:lnTo>
+                  <a:lnTo>
+                    <a:pt x="817" y="1765"/>
+                  </a:lnTo>
+                  <a:lnTo>
+                    <a:pt x="843" y="1765"/>
+                  </a:lnTo>
+                  <a:lnTo>
+                    <a:pt x="869" y="1765"/>
+                  </a:lnTo>
+                  <a:lnTo>
+                    <a:pt x="896" y="1765"/>
+                  </a:lnTo>
+                  <a:lnTo>
+                    <a:pt x="922" y="1765"/>
+                  </a:lnTo>
+                  <a:lnTo>
+                    <a:pt x="949" y="1765"/>
+                  </a:lnTo>
+                  <a:lnTo>
+                    <a:pt x="975" y="1765"/>
+                  </a:lnTo>
+                  <a:lnTo>
+                    <a:pt x="1001" y="1765"/>
+                  </a:lnTo>
+                  <a:lnTo>
+                    <a:pt x="1028" y="1765"/>
+                  </a:lnTo>
+                  <a:lnTo>
+                    <a:pt x="1054" y="1765"/>
+                  </a:lnTo>
+                  <a:lnTo>
+                    <a:pt x="1080" y="1765"/>
+                  </a:lnTo>
+                  <a:lnTo>
+                    <a:pt x="1107" y="1765"/>
+                  </a:lnTo>
+                  <a:lnTo>
+                    <a:pt x="1133" y="1765"/>
+                  </a:lnTo>
+                  <a:lnTo>
+                    <a:pt x="1159" y="1765"/>
+                  </a:lnTo>
+                  <a:lnTo>
+                    <a:pt x="1159" y="0"/>
+                  </a:lnTo>
+                  <a:lnTo>
+                    <a:pt x="1133" y="81"/>
+                  </a:lnTo>
+                  <a:lnTo>
+                    <a:pt x="1107" y="178"/>
+                  </a:lnTo>
+                  <a:lnTo>
+                    <a:pt x="1080" y="289"/>
+                  </a:lnTo>
+                  <a:lnTo>
+                    <a:pt x="1054" y="410"/>
+                  </a:lnTo>
+                  <a:lnTo>
+                    <a:pt x="1028" y="537"/>
+                  </a:lnTo>
+                  <a:lnTo>
+                    <a:pt x="1001" y="667"/>
+                  </a:lnTo>
+                  <a:lnTo>
+                    <a:pt x="975" y="796"/>
+                  </a:lnTo>
+                  <a:lnTo>
+                    <a:pt x="949" y="920"/>
+                  </a:lnTo>
+                  <a:lnTo>
+                    <a:pt x="922" y="1038"/>
+                  </a:lnTo>
+                  <a:lnTo>
+                    <a:pt x="896" y="1148"/>
+                  </a:lnTo>
+                  <a:lnTo>
+                    <a:pt x="869" y="1248"/>
+                  </a:lnTo>
+                  <a:lnTo>
+                    <a:pt x="843" y="1338"/>
+                  </a:lnTo>
+                  <a:lnTo>
+                    <a:pt x="817" y="1416"/>
+                  </a:lnTo>
+                  <a:lnTo>
+                    <a:pt x="791" y="1484"/>
+                  </a:lnTo>
+                  <a:lnTo>
+                    <a:pt x="764" y="1541"/>
+                  </a:lnTo>
+                  <a:lnTo>
+                    <a:pt x="738" y="1590"/>
+                  </a:lnTo>
+                  <a:lnTo>
+                    <a:pt x="711" y="1629"/>
+                  </a:lnTo>
+                  <a:lnTo>
+                    <a:pt x="685" y="1661"/>
+                  </a:lnTo>
+                  <a:lnTo>
+                    <a:pt x="659" y="1687"/>
+                  </a:lnTo>
+                  <a:lnTo>
+                    <a:pt x="632" y="1707"/>
+                  </a:lnTo>
+                  <a:lnTo>
+                    <a:pt x="606" y="1722"/>
+                  </a:lnTo>
+                  <a:lnTo>
+                    <a:pt x="580" y="1734"/>
+                  </a:lnTo>
+                  <a:lnTo>
+                    <a:pt x="553" y="1743"/>
+                  </a:lnTo>
+                  <a:lnTo>
+                    <a:pt x="527" y="1750"/>
+                  </a:lnTo>
+                  <a:lnTo>
+                    <a:pt x="501" y="1754"/>
+                  </a:lnTo>
+                  <a:lnTo>
+                    <a:pt x="474" y="1758"/>
+                  </a:lnTo>
+                  <a:lnTo>
+                    <a:pt x="448" y="1760"/>
+                  </a:lnTo>
+                  <a:lnTo>
+                    <a:pt x="422" y="1762"/>
+                  </a:lnTo>
+                  <a:lnTo>
+                    <a:pt x="395" y="1763"/>
+                  </a:lnTo>
+                  <a:lnTo>
+                    <a:pt x="369" y="1764"/>
+                  </a:lnTo>
+                  <a:lnTo>
+                    <a:pt x="342" y="1765"/>
+                  </a:lnTo>
+                  <a:lnTo>
+                    <a:pt x="316" y="1765"/>
+                  </a:lnTo>
+                  <a:lnTo>
+                    <a:pt x="290" y="1765"/>
+                  </a:lnTo>
+                  <a:lnTo>
+                    <a:pt x="264" y="1765"/>
+                  </a:lnTo>
+                  <a:lnTo>
+                    <a:pt x="237" y="1765"/>
+                  </a:lnTo>
+                  <a:lnTo>
+                    <a:pt x="211" y="1765"/>
+                  </a:lnTo>
+                  <a:lnTo>
+                    <a:pt x="184" y="1765"/>
+                  </a:lnTo>
+                  <a:lnTo>
+                    <a:pt x="158" y="1765"/>
+                  </a:lnTo>
+                  <a:lnTo>
+                    <a:pt x="132" y="1765"/>
+                  </a:lnTo>
+                  <a:lnTo>
+                    <a:pt x="105" y="1765"/>
+                  </a:lnTo>
+                  <a:lnTo>
+                    <a:pt x="79" y="1765"/>
+                  </a:lnTo>
+                  <a:lnTo>
+                    <a:pt x="53" y="1765"/>
+                  </a:lnTo>
+                  <a:lnTo>
+                    <a:pt x="26" y="1765"/>
+                  </a:lnTo>
+                  <a:lnTo>
+                    <a:pt x="0" y="1765"/>
+                  </a:lnTo>
+                  <a:close/>
+                  <a:moveTo>
+                    <a:pt x="2082" y="284"/>
+                  </a:moveTo>
+                  <a:lnTo>
+                    <a:pt x="2082" y="1765"/>
+                  </a:lnTo>
+                  <a:lnTo>
+                    <a:pt x="2108" y="1765"/>
+                  </a:lnTo>
+                  <a:lnTo>
+                    <a:pt x="2134" y="1765"/>
+                  </a:lnTo>
+                  <a:lnTo>
+                    <a:pt x="2161" y="1765"/>
+                  </a:lnTo>
+                  <a:lnTo>
+                    <a:pt x="2187" y="1765"/>
+                  </a:lnTo>
+                  <a:lnTo>
+                    <a:pt x="2213" y="1765"/>
+                  </a:lnTo>
+                  <a:lnTo>
+                    <a:pt x="2240" y="1765"/>
+                  </a:lnTo>
+                  <a:lnTo>
+                    <a:pt x="2266" y="1765"/>
+                  </a:lnTo>
+                  <a:lnTo>
+                    <a:pt x="2292" y="1765"/>
+                  </a:lnTo>
+                  <a:lnTo>
+                    <a:pt x="2319" y="1765"/>
+                  </a:lnTo>
+                  <a:lnTo>
+                    <a:pt x="2345" y="1765"/>
+                  </a:lnTo>
+                  <a:lnTo>
+                    <a:pt x="2371" y="1765"/>
+                  </a:lnTo>
+                  <a:lnTo>
+                    <a:pt x="2398" y="1765"/>
+                  </a:lnTo>
+                  <a:lnTo>
+                    <a:pt x="2424" y="1765"/>
+                  </a:lnTo>
+                  <a:lnTo>
+                    <a:pt x="2451" y="1765"/>
+                  </a:lnTo>
+                  <a:lnTo>
+                    <a:pt x="2477" y="1765"/>
+                  </a:lnTo>
+                  <a:lnTo>
+                    <a:pt x="2503" y="1765"/>
+                  </a:lnTo>
+                  <a:lnTo>
+                    <a:pt x="2530" y="1765"/>
+                  </a:lnTo>
+                  <a:lnTo>
+                    <a:pt x="2556" y="1765"/>
+                  </a:lnTo>
+                  <a:lnTo>
+                    <a:pt x="2582" y="1765"/>
+                  </a:lnTo>
+                  <a:lnTo>
+                    <a:pt x="2608" y="1765"/>
+                  </a:lnTo>
+                  <a:lnTo>
+                    <a:pt x="2608" y="1734"/>
+                  </a:lnTo>
+                  <a:lnTo>
+                    <a:pt x="2582" y="1722"/>
+                  </a:lnTo>
+                  <a:lnTo>
+                    <a:pt x="2556" y="1707"/>
+                  </a:lnTo>
+                  <a:lnTo>
+                    <a:pt x="2530" y="1688"/>
+                  </a:lnTo>
+                  <a:lnTo>
+                    <a:pt x="2503" y="1662"/>
+                  </a:lnTo>
+                  <a:lnTo>
+                    <a:pt x="2477" y="1631"/>
+                  </a:lnTo>
+                  <a:lnTo>
+                    <a:pt x="2451" y="1593"/>
+                  </a:lnTo>
+                  <a:lnTo>
+                    <a:pt x="2424" y="1547"/>
+                  </a:lnTo>
+                  <a:lnTo>
+                    <a:pt x="2398" y="1491"/>
+                  </a:lnTo>
+                  <a:lnTo>
+                    <a:pt x="2371" y="1426"/>
+                  </a:lnTo>
+                  <a:lnTo>
+                    <a:pt x="2345" y="1351"/>
+                  </a:lnTo>
+                  <a:lnTo>
+                    <a:pt x="2319" y="1267"/>
+                  </a:lnTo>
+                  <a:lnTo>
+                    <a:pt x="2292" y="1173"/>
+                  </a:lnTo>
+                  <a:lnTo>
+                    <a:pt x="2266" y="1070"/>
+                  </a:lnTo>
+                  <a:lnTo>
+                    <a:pt x="2240" y="959"/>
+                  </a:lnTo>
+                  <a:lnTo>
+                    <a:pt x="2213" y="844"/>
+                  </a:lnTo>
+                  <a:lnTo>
+                    <a:pt x="2187" y="726"/>
+                  </a:lnTo>
+                  <a:lnTo>
+                    <a:pt x="2161" y="607"/>
+                  </a:lnTo>
+                  <a:lnTo>
+                    <a:pt x="2134" y="492"/>
+                  </a:lnTo>
+                  <a:lnTo>
+                    <a:pt x="2108" y="383"/>
+                  </a:lnTo>
+                  <a:lnTo>
+                    <a:pt x="2082" y="284"/>
+                  </a:lnTo>
+                  <a:close/>
+                </a:path>
+              </a:pathLst>
+            </a:custGeom>
+            <a:solidFill>
+              <a:srgbClr val="0072BD"/>
+            </a:solidFill>
+            <a:ln>
+              <a:noFill/>
+            </a:ln>
+            <a:extLst>
+              <a:ext uri="{91240B29-F687-4F45-9708-019B960494DF}">
+                <a14:hiddenLine xmlns:a14="http://schemas.microsoft.com/office/drawing/2010/main" w="9525">
+                  <a:solidFill>
+                    <a:srgbClr val="000000"/>
+                  </a:solidFill>
+                  <a:round/>
+                  <a:headEnd/>
+                  <a:tailEnd/>
+                </a14:hiddenLine>
+              </a:ext>
+            </a:extLst>
+          </p:spPr>
+          <p:txBody>
+            <a:bodyPr vert="horz" wrap="square" lIns="91440" tIns="45720" rIns="91440" bIns="45720" numCol="1" anchor="t" anchorCtr="0" compatLnSpc="1">
+              <a:prstTxWarp prst="textNoShape">
+                <a:avLst/>
+              </a:prstTxWarp>
+            </a:bodyPr>
+            <a:lstStyle/>
+            <a:p>
+              <a:endParaRPr lang="en-US"/>
+            </a:p>
+          </p:txBody>
+        </p:sp>
+      </p:grpSp>
+      <p:cxnSp>
+        <p:nvCxnSpPr>
+          <p:cNvPr id="26" name="직선 화살표 연결선 15">
+            <a:extLst>
+              <a:ext uri="{FF2B5EF4-FFF2-40B4-BE49-F238E27FC236}">
+                <a16:creationId xmlns:a16="http://schemas.microsoft.com/office/drawing/2014/main" id="{E658AACB-DB0B-CE62-AE32-5F3EE9CC5A34}"/>
+              </a:ext>
+            </a:extLst>
+          </p:cNvPr>
+          <p:cNvCxnSpPr>
+            <a:cxnSpLocks/>
+          </p:cNvCxnSpPr>
+          <p:nvPr/>
+        </p:nvCxnSpPr>
+        <p:spPr>
+          <a:xfrm>
+            <a:off x="6140054" y="1865502"/>
+            <a:ext cx="0" cy="2140531"/>
+          </a:xfrm>
+          <a:prstGeom prst="straightConnector1">
+            <a:avLst/>
+          </a:prstGeom>
+          <a:ln>
+            <a:solidFill>
+              <a:schemeClr val="tx1"/>
+            </a:solidFill>
+            <a:prstDash val="lgDash"/>
+            <a:tailEnd type="triangle"/>
+          </a:ln>
+        </p:spPr>
+        <p:style>
+          <a:lnRef idx="1">
+            <a:schemeClr val="accent1"/>
+          </a:lnRef>
+          <a:fillRef idx="0">
+            <a:schemeClr val="accent1"/>
+          </a:fillRef>
+          <a:effectRef idx="0">
+            <a:schemeClr val="accent1"/>
+          </a:effectRef>
+          <a:fontRef idx="minor">
+            <a:schemeClr val="tx1"/>
+          </a:fontRef>
+        </p:style>
+      </p:cxnSp>
+      <mc:AlternateContent xmlns:mc="http://schemas.openxmlformats.org/markup-compatibility/2006">
+        <mc:Choice xmlns:a14="http://schemas.microsoft.com/office/drawing/2010/main" Requires="a14">
+          <p:sp>
+            <p:nvSpPr>
+              <p:cNvPr id="27" name="TextBox 26">
+                <a:extLst>
+                  <a:ext uri="{FF2B5EF4-FFF2-40B4-BE49-F238E27FC236}">
+                    <a16:creationId xmlns:a16="http://schemas.microsoft.com/office/drawing/2014/main" id="{2D9D08A2-34FF-94B5-948B-251EADAF8341}"/>
+                  </a:ext>
+                </a:extLst>
+              </p:cNvPr>
+              <p:cNvSpPr txBox="1"/>
+              <p:nvPr/>
+            </p:nvSpPr>
+            <p:spPr>
+              <a:xfrm>
+                <a:off x="5653270" y="1340149"/>
+                <a:ext cx="919163" cy="461665"/>
+              </a:xfrm>
+              <a:prstGeom prst="rect">
+                <a:avLst/>
+              </a:prstGeom>
+              <a:noFill/>
+            </p:spPr>
+            <p:txBody>
+              <a:bodyPr wrap="none" rtlCol="0">
+                <a:spAutoFit/>
+              </a:bodyPr>
+              <a:lstStyle/>
+              <a:p>
+                <a:pPr/>
+                <a14:m>
+                  <m:oMathPara xmlns:m="http://schemas.openxmlformats.org/officeDocument/2006/math">
+                    <m:oMathParaPr>
+                      <m:jc m:val="centerGroup"/>
+                    </m:oMathParaPr>
+                    <m:oMath xmlns:m="http://schemas.openxmlformats.org/officeDocument/2006/math">
+                      <m:r>
+                        <a:rPr lang="en-US" altLang="ko-KR" sz="2400" b="0" i="1" smtClean="0">
+                          <a:latin typeface="Cambria Math" panose="02040503050406030204" pitchFamily="18" charset="0"/>
+                        </a:rPr>
+                        <m:t>𝐸</m:t>
+                      </m:r>
+                      <m:r>
+                        <a:rPr lang="en-US" altLang="ko-KR" sz="2400" b="0" i="1" smtClean="0">
+                          <a:latin typeface="Cambria Math" panose="02040503050406030204" pitchFamily="18" charset="0"/>
+                        </a:rPr>
+                        <m:t>[</m:t>
+                      </m:r>
+                      <m:r>
+                        <a:rPr lang="en-US" altLang="ko-KR" sz="2400" b="0" i="1" smtClean="0">
+                          <a:latin typeface="Cambria Math" panose="02040503050406030204" pitchFamily="18" charset="0"/>
+                        </a:rPr>
+                        <m:t>𝑋</m:t>
+                      </m:r>
+                      <m:r>
+                        <a:rPr lang="en-US" altLang="ko-KR" sz="2400" b="0" i="1" smtClean="0">
+                          <a:latin typeface="Cambria Math" panose="02040503050406030204" pitchFamily="18" charset="0"/>
+                        </a:rPr>
+                        <m:t>]</m:t>
+                      </m:r>
+                    </m:oMath>
+                  </m:oMathPara>
+                </a14:m>
+                <a:endParaRPr lang="ko-KR" altLang="en-US" sz="2400" dirty="0"/>
+              </a:p>
+            </p:txBody>
+          </p:sp>
+        </mc:Choice>
+        <mc:Fallback>
+          <p:sp>
+            <p:nvSpPr>
+              <p:cNvPr id="27" name="TextBox 26">
+                <a:extLst>
+                  <a:ext uri="{FF2B5EF4-FFF2-40B4-BE49-F238E27FC236}">
+                    <a16:creationId xmlns:a16="http://schemas.microsoft.com/office/drawing/2014/main" id="{2D9D08A2-34FF-94B5-948B-251EADAF8341}"/>
+                  </a:ext>
+                </a:extLst>
+              </p:cNvPr>
+              <p:cNvSpPr txBox="1">
+                <a:spLocks noRot="1" noChangeAspect="1" noMove="1" noResize="1" noEditPoints="1" noAdjustHandles="1" noChangeArrowheads="1" noChangeShapeType="1" noTextEdit="1"/>
+              </p:cNvSpPr>
+              <p:nvPr/>
+            </p:nvSpPr>
+            <p:spPr>
+              <a:xfrm>
+                <a:off x="5653270" y="1340149"/>
+                <a:ext cx="919163" cy="461665"/>
+              </a:xfrm>
+              <a:prstGeom prst="rect">
+                <a:avLst/>
+              </a:prstGeom>
+              <a:blipFill>
+                <a:blip r:embed="rId4"/>
+                <a:stretch>
+                  <a:fillRect b="-19737"/>
+                </a:stretch>
+              </a:blipFill>
+            </p:spPr>
+            <p:txBody>
+              <a:bodyPr/>
+              <a:lstStyle/>
+              <a:p>
+                <a:r>
+                  <a:rPr lang="en-US">
+                    <a:noFill/>
+                  </a:rPr>
+                  <a:t> </a:t>
+                </a:r>
+              </a:p>
+            </p:txBody>
+          </p:sp>
+        </mc:Fallback>
+      </mc:AlternateContent>
+      <mc:AlternateContent xmlns:mc="http://schemas.openxmlformats.org/markup-compatibility/2006">
+        <mc:Choice xmlns:a14="http://schemas.microsoft.com/office/drawing/2010/main" Requires="a14">
+          <p:sp>
+            <p:nvSpPr>
+              <p:cNvPr id="29" name="TextBox 28">
+                <a:extLst>
+                  <a:ext uri="{FF2B5EF4-FFF2-40B4-BE49-F238E27FC236}">
+                    <a16:creationId xmlns:a16="http://schemas.microsoft.com/office/drawing/2014/main" id="{BB0DB821-D2A8-2E84-56B0-1C95A8328240}"/>
+                  </a:ext>
+                </a:extLst>
+              </p:cNvPr>
+              <p:cNvSpPr txBox="1"/>
+              <p:nvPr/>
+            </p:nvSpPr>
+            <p:spPr>
+              <a:xfrm>
+                <a:off x="5332122" y="4109569"/>
+                <a:ext cx="487312" cy="461665"/>
+              </a:xfrm>
+              <a:prstGeom prst="rect">
+                <a:avLst/>
+              </a:prstGeom>
+              <a:noFill/>
+            </p:spPr>
+            <p:txBody>
+              <a:bodyPr wrap="none" rtlCol="0">
+                <a:spAutoFit/>
+              </a:bodyPr>
+              <a:lstStyle/>
+              <a:p>
+                <a:pPr/>
+                <a14:m>
+                  <m:oMathPara xmlns:m="http://schemas.openxmlformats.org/officeDocument/2006/math">
+                    <m:oMathParaPr>
+                      <m:jc m:val="centerGroup"/>
+                    </m:oMathParaPr>
+                    <m:oMath xmlns:m="http://schemas.openxmlformats.org/officeDocument/2006/math">
+                      <m:r>
+                        <a:rPr lang="en-US" altLang="ko-KR" sz="2400" b="0" i="1" smtClean="0">
+                          <a:latin typeface="Cambria Math" panose="02040503050406030204" pitchFamily="18" charset="0"/>
+                        </a:rPr>
+                        <m:t>𝛼</m:t>
+                      </m:r>
+                    </m:oMath>
+                  </m:oMathPara>
+                </a14:m>
+                <a:endParaRPr lang="ko-KR" altLang="en-US" sz="2400" dirty="0"/>
+              </a:p>
+            </p:txBody>
+          </p:sp>
+        </mc:Choice>
+        <mc:Fallback>
+          <p:sp>
+            <p:nvSpPr>
+              <p:cNvPr id="29" name="TextBox 28">
+                <a:extLst>
+                  <a:ext uri="{FF2B5EF4-FFF2-40B4-BE49-F238E27FC236}">
+                    <a16:creationId xmlns:a16="http://schemas.microsoft.com/office/drawing/2014/main" id="{BB0DB821-D2A8-2E84-56B0-1C95A8328240}"/>
+                  </a:ext>
+                </a:extLst>
+              </p:cNvPr>
+              <p:cNvSpPr txBox="1">
+                <a:spLocks noRot="1" noChangeAspect="1" noMove="1" noResize="1" noEditPoints="1" noAdjustHandles="1" noChangeArrowheads="1" noChangeShapeType="1" noTextEdit="1"/>
+              </p:cNvSpPr>
+              <p:nvPr/>
+            </p:nvSpPr>
+            <p:spPr>
+              <a:xfrm>
+                <a:off x="5332122" y="4109569"/>
+                <a:ext cx="487312" cy="461665"/>
+              </a:xfrm>
+              <a:prstGeom prst="rect">
+                <a:avLst/>
+              </a:prstGeom>
+              <a:blipFill>
+                <a:blip r:embed="rId5"/>
+                <a:stretch>
+                  <a:fillRect/>
+                </a:stretch>
+              </a:blipFill>
+            </p:spPr>
+            <p:txBody>
+              <a:bodyPr/>
+              <a:lstStyle/>
+              <a:p>
+                <a:r>
+                  <a:rPr lang="en-US">
+                    <a:noFill/>
+                  </a:rPr>
+                  <a:t> </a:t>
+                </a:r>
+              </a:p>
+            </p:txBody>
+          </p:sp>
+        </mc:Fallback>
+      </mc:AlternateContent>
+      <p:sp>
+        <p:nvSpPr>
+          <p:cNvPr id="30" name="Arc 29">
+            <a:extLst>
+              <a:ext uri="{FF2B5EF4-FFF2-40B4-BE49-F238E27FC236}">
+                <a16:creationId xmlns:a16="http://schemas.microsoft.com/office/drawing/2014/main" id="{11DE8E54-17C6-4E41-DD84-5EE5A5655BE0}"/>
+              </a:ext>
+            </a:extLst>
+          </p:cNvPr>
+          <p:cNvSpPr/>
+          <p:nvPr/>
+        </p:nvSpPr>
+        <p:spPr>
+          <a:xfrm rot="10800000">
+            <a:off x="5053221" y="3837281"/>
+            <a:ext cx="1083216" cy="398960"/>
+          </a:xfrm>
+          <a:prstGeom prst="arc">
+            <a:avLst>
+              <a:gd name="adj1" fmla="val 10802373"/>
+              <a:gd name="adj2" fmla="val 0"/>
+            </a:avLst>
+          </a:prstGeom>
+          <a:ln>
+            <a:solidFill>
+              <a:schemeClr val="tx1"/>
+            </a:solidFill>
+            <a:prstDash val="dash"/>
+          </a:ln>
+        </p:spPr>
+        <p:style>
+          <a:lnRef idx="1">
+            <a:schemeClr val="accent1"/>
+          </a:lnRef>
+          <a:fillRef idx="0">
+            <a:schemeClr val="accent1"/>
+          </a:fillRef>
+          <a:effectRef idx="0">
+            <a:schemeClr val="accent1"/>
+          </a:effectRef>
+          <a:fontRef idx="minor">
+            <a:schemeClr val="tx1"/>
+          </a:fontRef>
+        </p:style>
+        <p:txBody>
+          <a:bodyPr rtlCol="0" anchor="ctr"/>
+          <a:lstStyle/>
+          <a:p>
+            <a:pPr algn="ctr"/>
+            <a:endParaRPr lang="en-US"/>
+          </a:p>
+        </p:txBody>
+      </p:sp>
+      <mc:AlternateContent xmlns:mc="http://schemas.openxmlformats.org/markup-compatibility/2006">
+        <mc:Choice xmlns:a14="http://schemas.microsoft.com/office/drawing/2010/main" Requires="a14">
+          <p:sp>
+            <p:nvSpPr>
+              <p:cNvPr id="31" name="TextBox 30">
+                <a:extLst>
+                  <a:ext uri="{FF2B5EF4-FFF2-40B4-BE49-F238E27FC236}">
+                    <a16:creationId xmlns:a16="http://schemas.microsoft.com/office/drawing/2014/main" id="{2A9E01B1-B49A-8DEF-687D-A0FA7DA3F4B5}"/>
+                  </a:ext>
+                </a:extLst>
+              </p:cNvPr>
+              <p:cNvSpPr txBox="1"/>
+              <p:nvPr/>
+            </p:nvSpPr>
+            <p:spPr>
+              <a:xfrm>
+                <a:off x="6448928" y="4109569"/>
+                <a:ext cx="487312" cy="461665"/>
+              </a:xfrm>
+              <a:prstGeom prst="rect">
+                <a:avLst/>
+              </a:prstGeom>
+              <a:noFill/>
+            </p:spPr>
+            <p:txBody>
+              <a:bodyPr wrap="none" rtlCol="0">
+                <a:spAutoFit/>
+              </a:bodyPr>
+              <a:lstStyle/>
+              <a:p>
+                <a:pPr/>
+                <a14:m>
+                  <m:oMathPara xmlns:m="http://schemas.openxmlformats.org/officeDocument/2006/math">
+                    <m:oMathParaPr>
+                      <m:jc m:val="centerGroup"/>
+                    </m:oMathParaPr>
+                    <m:oMath xmlns:m="http://schemas.openxmlformats.org/officeDocument/2006/math">
+                      <m:r>
+                        <a:rPr lang="en-US" altLang="ko-KR" sz="2400" b="0" i="1" smtClean="0">
+                          <a:latin typeface="Cambria Math" panose="02040503050406030204" pitchFamily="18" charset="0"/>
+                        </a:rPr>
+                        <m:t>𝛼</m:t>
+                      </m:r>
+                    </m:oMath>
+                  </m:oMathPara>
+                </a14:m>
+                <a:endParaRPr lang="ko-KR" altLang="en-US" sz="2400" dirty="0"/>
+              </a:p>
+            </p:txBody>
+          </p:sp>
+        </mc:Choice>
+        <mc:Fallback>
+          <p:sp>
+            <p:nvSpPr>
+              <p:cNvPr id="31" name="TextBox 30">
+                <a:extLst>
+                  <a:ext uri="{FF2B5EF4-FFF2-40B4-BE49-F238E27FC236}">
+                    <a16:creationId xmlns:a16="http://schemas.microsoft.com/office/drawing/2014/main" id="{2A9E01B1-B49A-8DEF-687D-A0FA7DA3F4B5}"/>
+                  </a:ext>
+                </a:extLst>
+              </p:cNvPr>
+              <p:cNvSpPr txBox="1">
+                <a:spLocks noRot="1" noChangeAspect="1" noMove="1" noResize="1" noEditPoints="1" noAdjustHandles="1" noChangeArrowheads="1" noChangeShapeType="1" noTextEdit="1"/>
+              </p:cNvSpPr>
+              <p:nvPr/>
+            </p:nvSpPr>
+            <p:spPr>
+              <a:xfrm>
+                <a:off x="6448928" y="4109569"/>
+                <a:ext cx="487312" cy="461665"/>
+              </a:xfrm>
+              <a:prstGeom prst="rect">
+                <a:avLst/>
+              </a:prstGeom>
+              <a:blipFill>
+                <a:blip r:embed="rId6"/>
+                <a:stretch>
+                  <a:fillRect/>
+                </a:stretch>
+              </a:blipFill>
+            </p:spPr>
+            <p:txBody>
+              <a:bodyPr/>
+              <a:lstStyle/>
+              <a:p>
+                <a:r>
+                  <a:rPr lang="en-US">
+                    <a:noFill/>
+                  </a:rPr>
+                  <a:t> </a:t>
+                </a:r>
+              </a:p>
+            </p:txBody>
+          </p:sp>
+        </mc:Fallback>
+      </mc:AlternateContent>
+      <p:sp>
+        <p:nvSpPr>
+          <p:cNvPr id="32" name="Arc 31">
+            <a:extLst>
+              <a:ext uri="{FF2B5EF4-FFF2-40B4-BE49-F238E27FC236}">
+                <a16:creationId xmlns:a16="http://schemas.microsoft.com/office/drawing/2014/main" id="{5453AEC9-425C-E6CE-F99A-1E56B07AEDF2}"/>
+              </a:ext>
+            </a:extLst>
+          </p:cNvPr>
+          <p:cNvSpPr/>
+          <p:nvPr/>
+        </p:nvSpPr>
+        <p:spPr>
+          <a:xfrm rot="10800000">
+            <a:off x="6139228" y="3837281"/>
+            <a:ext cx="1100364" cy="398960"/>
+          </a:xfrm>
+          <a:prstGeom prst="arc">
+            <a:avLst>
+              <a:gd name="adj1" fmla="val 10802373"/>
+              <a:gd name="adj2" fmla="val 0"/>
+            </a:avLst>
+          </a:prstGeom>
+          <a:ln>
+            <a:solidFill>
+              <a:schemeClr val="tx1"/>
+            </a:solidFill>
+            <a:prstDash val="dash"/>
+          </a:ln>
+        </p:spPr>
+        <p:style>
+          <a:lnRef idx="1">
+            <a:schemeClr val="accent1"/>
+          </a:lnRef>
+          <a:fillRef idx="0">
+            <a:schemeClr val="accent1"/>
+          </a:fillRef>
+          <a:effectRef idx="0">
+            <a:schemeClr val="accent1"/>
+          </a:effectRef>
+          <a:fontRef idx="minor">
+            <a:schemeClr val="tx1"/>
+          </a:fontRef>
+        </p:style>
+        <p:txBody>
+          <a:bodyPr rtlCol="0" anchor="ctr"/>
+          <a:lstStyle/>
+          <a:p>
+            <a:pPr algn="ctr"/>
+            <a:endParaRPr lang="en-US"/>
+          </a:p>
+        </p:txBody>
+      </p:sp>
+      <p:sp>
+        <p:nvSpPr>
+          <p:cNvPr id="34" name="Rectangle 33">
+            <a:extLst>
+              <a:ext uri="{FF2B5EF4-FFF2-40B4-BE49-F238E27FC236}">
+                <a16:creationId xmlns:a16="http://schemas.microsoft.com/office/drawing/2014/main" id="{1128B6A1-6D81-C62C-A2A5-0C72063C77D8}"/>
+              </a:ext>
+            </a:extLst>
+          </p:cNvPr>
+          <p:cNvSpPr/>
+          <p:nvPr/>
+        </p:nvSpPr>
+        <p:spPr>
+          <a:xfrm>
+            <a:off x="7138924" y="2017144"/>
+            <a:ext cx="565225" cy="206605"/>
+          </a:xfrm>
+          <a:prstGeom prst="rect">
+            <a:avLst/>
+          </a:prstGeom>
+          <a:solidFill>
+            <a:srgbClr val="0072BD"/>
+          </a:solidFill>
+          <a:ln>
+            <a:solidFill>
+              <a:schemeClr val="tx1"/>
+            </a:solidFill>
+          </a:ln>
+        </p:spPr>
+        <p:style>
+          <a:lnRef idx="2">
+            <a:schemeClr val="accent1">
+              <a:shade val="50000"/>
+            </a:schemeClr>
+          </a:lnRef>
+          <a:fillRef idx="1">
+            <a:schemeClr val="accent1"/>
+          </a:fillRef>
+          <a:effectRef idx="0">
+            <a:schemeClr val="accent1"/>
+          </a:effectRef>
+          <a:fontRef idx="minor">
+            <a:schemeClr val="lt1"/>
+          </a:fontRef>
+        </p:style>
+        <p:txBody>
+          <a:bodyPr rtlCol="0" anchor="ctr"/>
+          <a:lstStyle/>
+          <a:p>
+            <a:pPr algn="ctr"/>
+            <a:endParaRPr lang="en-US"/>
+          </a:p>
+        </p:txBody>
+      </p:sp>
+      <mc:AlternateContent xmlns:mc="http://schemas.openxmlformats.org/markup-compatibility/2006">
+        <mc:Choice xmlns:a14="http://schemas.microsoft.com/office/drawing/2010/main" Requires="a14">
+          <p:sp>
+            <p:nvSpPr>
+              <p:cNvPr id="35" name="TextBox 34">
+                <a:extLst>
+                  <a:ext uri="{FF2B5EF4-FFF2-40B4-BE49-F238E27FC236}">
+                    <a16:creationId xmlns:a16="http://schemas.microsoft.com/office/drawing/2014/main" id="{6C8DAB8A-FC31-7FEC-01CA-9B7BB127C3F5}"/>
+                  </a:ext>
+                </a:extLst>
+              </p:cNvPr>
+              <p:cNvSpPr txBox="1"/>
+              <p:nvPr/>
+            </p:nvSpPr>
+            <p:spPr>
+              <a:xfrm>
+                <a:off x="7504896" y="1870275"/>
+                <a:ext cx="2941929" cy="461665"/>
+              </a:xfrm>
+              <a:prstGeom prst="rect">
+                <a:avLst/>
+              </a:prstGeom>
+              <a:noFill/>
+            </p:spPr>
+            <p:txBody>
+              <a:bodyPr wrap="square">
+                <a:spAutoFit/>
+              </a:bodyPr>
+              <a:lstStyle/>
+              <a:p>
+                <a:pPr/>
+                <a14:m>
+                  <m:oMathPara xmlns:m="http://schemas.openxmlformats.org/officeDocument/2006/math">
+                    <m:oMathParaPr>
+                      <m:jc m:val="centerGroup"/>
+                    </m:oMathParaPr>
+                    <m:oMath xmlns:m="http://schemas.openxmlformats.org/officeDocument/2006/math">
+                      <m:r>
+                        <a:rPr lang="en-US" altLang="ko-KR" sz="2400" b="0" i="1" smtClean="0">
+                          <a:latin typeface="Cambria Math" panose="02040503050406030204" pitchFamily="18" charset="0"/>
+                        </a:rPr>
+                        <m:t>𝑃</m:t>
+                      </m:r>
+                      <m:r>
+                        <a:rPr lang="en-US" altLang="ko-KR" sz="2400" b="0" i="1" smtClean="0">
+                          <a:latin typeface="Cambria Math" panose="02040503050406030204" pitchFamily="18" charset="0"/>
+                        </a:rPr>
+                        <m:t>(</m:t>
+                      </m:r>
+                      <m:d>
+                        <m:dPr>
+                          <m:begChr m:val="|"/>
+                          <m:endChr m:val="|"/>
+                          <m:ctrlPr>
+                            <a:rPr lang="en-US" altLang="ko-KR" sz="2400" b="0" i="1" smtClean="0">
+                              <a:latin typeface="Cambria Math" panose="02040503050406030204" pitchFamily="18" charset="0"/>
+                            </a:rPr>
+                          </m:ctrlPr>
+                        </m:dPr>
+                        <m:e>
+                          <m:r>
+                            <a:rPr lang="en-US" altLang="ko-KR" sz="2400" b="0" i="1" smtClean="0">
+                              <a:latin typeface="Cambria Math" panose="02040503050406030204" pitchFamily="18" charset="0"/>
+                            </a:rPr>
+                            <m:t>𝑋</m:t>
+                          </m:r>
+                          <m:r>
+                            <a:rPr lang="en-US" altLang="ko-KR" sz="2400" b="0" i="1" smtClean="0">
+                              <a:latin typeface="Cambria Math" panose="02040503050406030204" pitchFamily="18" charset="0"/>
+                            </a:rPr>
+                            <m:t>−</m:t>
+                          </m:r>
+                          <m:r>
+                            <a:rPr lang="en-US" altLang="ko-KR" sz="2400" b="0" i="1" smtClean="0">
+                              <a:latin typeface="Cambria Math" panose="02040503050406030204" pitchFamily="18" charset="0"/>
+                            </a:rPr>
+                            <m:t>𝐸</m:t>
+                          </m:r>
+                          <m:d>
+                            <m:dPr>
+                              <m:begChr m:val="["/>
+                              <m:endChr m:val="]"/>
+                              <m:ctrlPr>
+                                <a:rPr lang="en-US" altLang="ko-KR" sz="2400" b="0" i="1" smtClean="0">
+                                  <a:latin typeface="Cambria Math" panose="02040503050406030204" pitchFamily="18" charset="0"/>
+                                </a:rPr>
+                              </m:ctrlPr>
+                            </m:dPr>
+                            <m:e>
+                              <m:r>
+                                <a:rPr lang="en-US" altLang="ko-KR" sz="2400" b="0" i="1" smtClean="0">
+                                  <a:latin typeface="Cambria Math" panose="02040503050406030204" pitchFamily="18" charset="0"/>
+                                </a:rPr>
+                                <m:t>𝑋</m:t>
+                              </m:r>
+                            </m:e>
+                          </m:d>
+                        </m:e>
+                      </m:d>
+                      <m:r>
+                        <a:rPr lang="en-US" altLang="ko-KR" sz="2400" b="0" i="1" smtClean="0">
+                          <a:latin typeface="Cambria Math" panose="02040503050406030204" pitchFamily="18" charset="0"/>
+                        </a:rPr>
+                        <m:t>&gt;</m:t>
+                      </m:r>
+                      <m:r>
+                        <a:rPr lang="en-US" altLang="ko-KR" sz="2400" b="0" i="1" smtClean="0">
+                          <a:latin typeface="Cambria Math" panose="02040503050406030204" pitchFamily="18" charset="0"/>
+                        </a:rPr>
+                        <m:t>𝛼</m:t>
+                      </m:r>
+                      <m:r>
+                        <a:rPr lang="en-US" altLang="ko-KR" sz="2400" b="0" i="1" smtClean="0">
+                          <a:latin typeface="Cambria Math" panose="02040503050406030204" pitchFamily="18" charset="0"/>
+                        </a:rPr>
+                        <m:t>)</m:t>
+                      </m:r>
+                    </m:oMath>
+                  </m:oMathPara>
+                </a14:m>
+                <a:endParaRPr lang="ko-KR" altLang="en-US" sz="2400" dirty="0"/>
+              </a:p>
+            </p:txBody>
+          </p:sp>
+        </mc:Choice>
+        <mc:Fallback>
+          <p:sp>
+            <p:nvSpPr>
+              <p:cNvPr id="35" name="TextBox 34">
+                <a:extLst>
+                  <a:ext uri="{FF2B5EF4-FFF2-40B4-BE49-F238E27FC236}">
+                    <a16:creationId xmlns:a16="http://schemas.microsoft.com/office/drawing/2014/main" id="{6C8DAB8A-FC31-7FEC-01CA-9B7BB127C3F5}"/>
+                  </a:ext>
+                </a:extLst>
+              </p:cNvPr>
+              <p:cNvSpPr txBox="1">
+                <a:spLocks noRot="1" noChangeAspect="1" noMove="1" noResize="1" noEditPoints="1" noAdjustHandles="1" noChangeArrowheads="1" noChangeShapeType="1" noTextEdit="1"/>
+              </p:cNvSpPr>
+              <p:nvPr/>
+            </p:nvSpPr>
+            <p:spPr>
+              <a:xfrm>
+                <a:off x="7504896" y="1870275"/>
+                <a:ext cx="2941929" cy="461665"/>
+              </a:xfrm>
+              <a:prstGeom prst="rect">
+                <a:avLst/>
+              </a:prstGeom>
+              <a:blipFill>
+                <a:blip r:embed="rId7"/>
+                <a:stretch>
+                  <a:fillRect b="-19737"/>
+                </a:stretch>
+              </a:blipFill>
+            </p:spPr>
+            <p:txBody>
+              <a:bodyPr/>
+              <a:lstStyle/>
+              <a:p>
+                <a:r>
+                  <a:rPr lang="en-US">
+                    <a:noFill/>
+                  </a:rPr>
+                  <a:t> </a:t>
+                </a:r>
+              </a:p>
+            </p:txBody>
+          </p:sp>
+        </mc:Fallback>
+      </mc:AlternateContent>
+      <p:sp>
+        <p:nvSpPr>
+          <p:cNvPr id="36" name="Rectangle 35">
+            <a:extLst>
+              <a:ext uri="{FF2B5EF4-FFF2-40B4-BE49-F238E27FC236}">
+                <a16:creationId xmlns:a16="http://schemas.microsoft.com/office/drawing/2014/main" id="{C82BCF6B-CB2B-F014-F9DD-B05B7470CA4F}"/>
+              </a:ext>
+            </a:extLst>
+          </p:cNvPr>
+          <p:cNvSpPr/>
+          <p:nvPr/>
+        </p:nvSpPr>
+        <p:spPr>
+          <a:xfrm>
+            <a:off x="2068654" y="3454376"/>
+            <a:ext cx="914400" cy="914400"/>
+          </a:xfrm>
+          <a:prstGeom prst="rect">
+            <a:avLst/>
+          </a:prstGeom>
+          <a:solidFill>
+            <a:schemeClr val="bg1"/>
+          </a:solidFill>
+          <a:ln>
+            <a:noFill/>
+          </a:ln>
+        </p:spPr>
+        <p:style>
+          <a:lnRef idx="2">
+            <a:schemeClr val="accent1">
+              <a:shade val="50000"/>
+            </a:schemeClr>
+          </a:lnRef>
+          <a:fillRef idx="1">
+            <a:schemeClr val="accent1"/>
+          </a:fillRef>
+          <a:effectRef idx="0">
+            <a:schemeClr val="accent1"/>
+          </a:effectRef>
+          <a:fontRef idx="minor">
+            <a:schemeClr val="lt1"/>
+          </a:fontRef>
+        </p:style>
+        <p:txBody>
+          <a:bodyPr rtlCol="0" anchor="ctr"/>
+          <a:lstStyle/>
+          <a:p>
+            <a:pPr algn="ctr"/>
+            <a:endParaRPr lang="en-US"/>
+          </a:p>
+        </p:txBody>
+      </p:sp>
+    </p:spTree>
+    <p:extLst>
+      <p:ext uri="{BB962C8B-B14F-4D97-AF65-F5344CB8AC3E}">
+        <p14:creationId xmlns:p14="http://schemas.microsoft.com/office/powerpoint/2010/main" val="1851389872"/>
       </p:ext>
     </p:extLst>
   </p:cSld>

--- a/pics/2022-09-12-Markov_Chebyshev_Inequality/pics.pptx
+++ b/pics/2022-09-12-Markov_Chebyshev_Inequality/pics.pptx
@@ -260,7 +260,7 @@
           <a:p>
             <a:fld id="{27C983AE-7C74-4A66-8F6D-5C0A90E3ED26}" type="datetimeFigureOut">
               <a:rPr lang="ko-KR" altLang="en-US" smtClean="0"/>
-              <a:t>2022-09-27</a:t>
+              <a:t>2022-09-28</a:t>
             </a:fld>
             <a:endParaRPr lang="ko-KR" altLang="en-US"/>
           </a:p>
@@ -458,7 +458,7 @@
           <a:p>
             <a:fld id="{27C983AE-7C74-4A66-8F6D-5C0A90E3ED26}" type="datetimeFigureOut">
               <a:rPr lang="ko-KR" altLang="en-US" smtClean="0"/>
-              <a:t>2022-09-27</a:t>
+              <a:t>2022-09-28</a:t>
             </a:fld>
             <a:endParaRPr lang="ko-KR" altLang="en-US"/>
           </a:p>
@@ -666,7 +666,7 @@
           <a:p>
             <a:fld id="{27C983AE-7C74-4A66-8F6D-5C0A90E3ED26}" type="datetimeFigureOut">
               <a:rPr lang="ko-KR" altLang="en-US" smtClean="0"/>
-              <a:t>2022-09-27</a:t>
+              <a:t>2022-09-28</a:t>
             </a:fld>
             <a:endParaRPr lang="ko-KR" altLang="en-US"/>
           </a:p>
@@ -864,7 +864,7 @@
           <a:p>
             <a:fld id="{27C983AE-7C74-4A66-8F6D-5C0A90E3ED26}" type="datetimeFigureOut">
               <a:rPr lang="ko-KR" altLang="en-US" smtClean="0"/>
-              <a:t>2022-09-27</a:t>
+              <a:t>2022-09-28</a:t>
             </a:fld>
             <a:endParaRPr lang="ko-KR" altLang="en-US"/>
           </a:p>
@@ -1139,7 +1139,7 @@
           <a:p>
             <a:fld id="{27C983AE-7C74-4A66-8F6D-5C0A90E3ED26}" type="datetimeFigureOut">
               <a:rPr lang="ko-KR" altLang="en-US" smtClean="0"/>
-              <a:t>2022-09-27</a:t>
+              <a:t>2022-09-28</a:t>
             </a:fld>
             <a:endParaRPr lang="ko-KR" altLang="en-US"/>
           </a:p>
@@ -1404,7 +1404,7 @@
           <a:p>
             <a:fld id="{27C983AE-7C74-4A66-8F6D-5C0A90E3ED26}" type="datetimeFigureOut">
               <a:rPr lang="ko-KR" altLang="en-US" smtClean="0"/>
-              <a:t>2022-09-27</a:t>
+              <a:t>2022-09-28</a:t>
             </a:fld>
             <a:endParaRPr lang="ko-KR" altLang="en-US"/>
           </a:p>
@@ -1816,7 +1816,7 @@
           <a:p>
             <a:fld id="{27C983AE-7C74-4A66-8F6D-5C0A90E3ED26}" type="datetimeFigureOut">
               <a:rPr lang="ko-KR" altLang="en-US" smtClean="0"/>
-              <a:t>2022-09-27</a:t>
+              <a:t>2022-09-28</a:t>
             </a:fld>
             <a:endParaRPr lang="ko-KR" altLang="en-US"/>
           </a:p>
@@ -1957,7 +1957,7 @@
           <a:p>
             <a:fld id="{27C983AE-7C74-4A66-8F6D-5C0A90E3ED26}" type="datetimeFigureOut">
               <a:rPr lang="ko-KR" altLang="en-US" smtClean="0"/>
-              <a:t>2022-09-27</a:t>
+              <a:t>2022-09-28</a:t>
             </a:fld>
             <a:endParaRPr lang="ko-KR" altLang="en-US"/>
           </a:p>
@@ -2070,7 +2070,7 @@
           <a:p>
             <a:fld id="{27C983AE-7C74-4A66-8F6D-5C0A90E3ED26}" type="datetimeFigureOut">
               <a:rPr lang="ko-KR" altLang="en-US" smtClean="0"/>
-              <a:t>2022-09-27</a:t>
+              <a:t>2022-09-28</a:t>
             </a:fld>
             <a:endParaRPr lang="ko-KR" altLang="en-US"/>
           </a:p>
@@ -2381,7 +2381,7 @@
           <a:p>
             <a:fld id="{27C983AE-7C74-4A66-8F6D-5C0A90E3ED26}" type="datetimeFigureOut">
               <a:rPr lang="ko-KR" altLang="en-US" smtClean="0"/>
-              <a:t>2022-09-27</a:t>
+              <a:t>2022-09-28</a:t>
             </a:fld>
             <a:endParaRPr lang="ko-KR" altLang="en-US"/>
           </a:p>
@@ -2669,7 +2669,7 @@
           <a:p>
             <a:fld id="{27C983AE-7C74-4A66-8F6D-5C0A90E3ED26}" type="datetimeFigureOut">
               <a:rPr lang="ko-KR" altLang="en-US" smtClean="0"/>
-              <a:t>2022-09-27</a:t>
+              <a:t>2022-09-28</a:t>
             </a:fld>
             <a:endParaRPr lang="ko-KR" altLang="en-US"/>
           </a:p>
@@ -2910,7 +2910,7 @@
           <a:p>
             <a:fld id="{27C983AE-7C74-4A66-8F6D-5C0A90E3ED26}" type="datetimeFigureOut">
               <a:rPr lang="ko-KR" altLang="en-US" smtClean="0"/>
-              <a:t>2022-09-27</a:t>
+              <a:t>2022-09-28</a:t>
             </a:fld>
             <a:endParaRPr lang="ko-KR" altLang="en-US"/>
           </a:p>
@@ -4909,8 +4909,8 @@
           </p:sp>
         </mc:Fallback>
       </mc:AlternateContent>
-      <mc:AlternateContent xmlns:mc="http://schemas.openxmlformats.org/markup-compatibility/2006" xmlns:a14="http://schemas.microsoft.com/office/drawing/2010/main">
-        <mc:Choice Requires="a14">
+      <mc:AlternateContent xmlns:mc="http://schemas.openxmlformats.org/markup-compatibility/2006">
+        <mc:Choice xmlns:a14="http://schemas.microsoft.com/office/drawing/2010/main" Requires="a14">
           <p:sp>
             <p:nvSpPr>
               <p:cNvPr id="22" name="TextBox 21">
@@ -4971,7 +4971,7 @@
                             <a:rPr lang="en-US" altLang="ko-KR" sz="2400" b="0" i="1" smtClean="0">
                               <a:latin typeface="Cambria Math" panose="02040503050406030204" pitchFamily="18" charset="0"/>
                             </a:rPr>
-                            <m:t>&gt;</m:t>
+                            <m:t>≥</m:t>
                           </m:r>
                           <m:r>
                             <a:rPr lang="en-US" altLang="ko-KR" sz="2400" b="0" i="1" smtClean="0">
@@ -4989,7 +4989,7 @@
             </p:txBody>
           </p:sp>
         </mc:Choice>
-        <mc:Fallback xmlns="">
+        <mc:Fallback>
           <p:sp>
             <p:nvSpPr>
               <p:cNvPr id="22" name="TextBox 21">
@@ -5015,7 +5015,7 @@
               <a:blipFill>
                 <a:blip r:embed="rId5"/>
                 <a:stretch>
-                  <a:fillRect/>
+                  <a:fillRect b="-2667"/>
                 </a:stretch>
               </a:blipFill>
             </p:spPr>
@@ -5024,7 +5024,7 @@
               <a:lstStyle/>
               <a:p>
                 <a:r>
-                  <a:rPr lang="ko-KR" altLang="en-US">
+                  <a:rPr lang="en-US">
                     <a:noFill/>
                   </a:rPr>
                   <a:t> </a:t>
@@ -5079,8 +5079,8 @@
           </a:fontRef>
         </p:style>
       </p:cxnSp>
-      <mc:AlternateContent xmlns:mc="http://schemas.openxmlformats.org/markup-compatibility/2006" xmlns:a14="http://schemas.microsoft.com/office/drawing/2010/main">
-        <mc:Choice Requires="a14">
+      <mc:AlternateContent xmlns:mc="http://schemas.openxmlformats.org/markup-compatibility/2006">
+        <mc:Choice xmlns:a14="http://schemas.microsoft.com/office/drawing/2010/main" Requires="a14">
           <p:sp>
             <p:nvSpPr>
               <p:cNvPr id="33" name="TextBox 32">
@@ -5144,7 +5144,7 @@
                         <a:rPr lang="en-US" altLang="ko-KR" sz="2400" b="0" i="1" smtClean="0">
                           <a:latin typeface="Cambria Math" panose="02040503050406030204" pitchFamily="18" charset="0"/>
                         </a:rPr>
-                        <m:t>&gt;</m:t>
+                        <m:t>≥</m:t>
                       </m:r>
                       <m:r>
                         <a:rPr lang="en-US" altLang="ko-KR" sz="2400" b="0" i="1" smtClean="0">
@@ -5196,7 +5196,7 @@
             </p:txBody>
           </p:sp>
         </mc:Choice>
-        <mc:Fallback xmlns="">
+        <mc:Fallback>
           <p:sp>
             <p:nvSpPr>
               <p:cNvPr id="33" name="TextBox 32">
@@ -5231,7 +5231,7 @@
               <a:lstStyle/>
               <a:p>
                 <a:r>
-                  <a:rPr lang="ko-KR" altLang="en-US">
+                  <a:rPr lang="en-US">
                     <a:noFill/>
                   </a:rPr>
                   <a:t> </a:t>
@@ -5406,8 +5406,8 @@
           </a:fontRef>
         </p:style>
       </p:cxnSp>
-      <mc:AlternateContent xmlns:mc="http://schemas.openxmlformats.org/markup-compatibility/2006">
-        <mc:Choice xmlns:a14="http://schemas.microsoft.com/office/drawing/2010/main" Requires="a14">
+      <mc:AlternateContent xmlns:mc="http://schemas.openxmlformats.org/markup-compatibility/2006" xmlns:a14="http://schemas.microsoft.com/office/drawing/2010/main">
+        <mc:Choice Requires="a14">
           <p:sp>
             <p:nvSpPr>
               <p:cNvPr id="7" name="TextBox 6">
@@ -5457,7 +5457,7 @@
             </p:txBody>
           </p:sp>
         </mc:Choice>
-        <mc:Fallback>
+        <mc:Fallback xmlns="">
           <p:sp>
             <p:nvSpPr>
               <p:cNvPr id="7" name="TextBox 6">
@@ -5608,7 +5608,7 @@
                             <a:rPr lang="en-US" altLang="ko-KR" sz="2400" b="0" i="1" smtClean="0">
                               <a:latin typeface="Cambria Math" panose="02040503050406030204" pitchFamily="18" charset="0"/>
                             </a:rPr>
-                            <m:t>&gt;</m:t>
+                            <m:t>≥</m:t>
                           </m:r>
                           <m:r>
                             <a:rPr lang="en-US" altLang="ko-KR" sz="2400" b="0" i="1" smtClean="0">
@@ -7093,8 +7093,8 @@
           </a:fontRef>
         </p:style>
       </p:cxnSp>
-      <mc:AlternateContent xmlns:mc="http://schemas.openxmlformats.org/markup-compatibility/2006">
-        <mc:Choice xmlns:a14="http://schemas.microsoft.com/office/drawing/2010/main" Requires="a14">
+      <mc:AlternateContent xmlns:mc="http://schemas.openxmlformats.org/markup-compatibility/2006" xmlns:a14="http://schemas.microsoft.com/office/drawing/2010/main">
+        <mc:Choice Requires="a14">
           <p:sp>
             <p:nvSpPr>
               <p:cNvPr id="27" name="TextBox 26">
@@ -7162,7 +7162,7 @@
             </p:txBody>
           </p:sp>
         </mc:Choice>
-        <mc:Fallback>
+        <mc:Fallback xmlns="">
           <p:sp>
             <p:nvSpPr>
               <p:cNvPr id="27" name="TextBox 26">
@@ -7207,8 +7207,8 @@
           </p:sp>
         </mc:Fallback>
       </mc:AlternateContent>
-      <mc:AlternateContent xmlns:mc="http://schemas.openxmlformats.org/markup-compatibility/2006">
-        <mc:Choice xmlns:a14="http://schemas.microsoft.com/office/drawing/2010/main" Requires="a14">
+      <mc:AlternateContent xmlns:mc="http://schemas.openxmlformats.org/markup-compatibility/2006" xmlns:a14="http://schemas.microsoft.com/office/drawing/2010/main">
+        <mc:Choice Requires="a14">
           <p:sp>
             <p:nvSpPr>
               <p:cNvPr id="29" name="TextBox 28">
@@ -7258,7 +7258,7 @@
             </p:txBody>
           </p:sp>
         </mc:Choice>
-        <mc:Fallback>
+        <mc:Fallback xmlns="">
           <p:sp>
             <p:nvSpPr>
               <p:cNvPr id="29" name="TextBox 28">
@@ -7356,8 +7356,8 @@
           </a:p>
         </p:txBody>
       </p:sp>
-      <mc:AlternateContent xmlns:mc="http://schemas.openxmlformats.org/markup-compatibility/2006">
-        <mc:Choice xmlns:a14="http://schemas.microsoft.com/office/drawing/2010/main" Requires="a14">
+      <mc:AlternateContent xmlns:mc="http://schemas.openxmlformats.org/markup-compatibility/2006" xmlns:a14="http://schemas.microsoft.com/office/drawing/2010/main">
+        <mc:Choice Requires="a14">
           <p:sp>
             <p:nvSpPr>
               <p:cNvPr id="31" name="TextBox 30">
@@ -7407,7 +7407,7 @@
             </p:txBody>
           </p:sp>
         </mc:Choice>
-        <mc:Fallback>
+        <mc:Fallback xmlns="">
           <p:sp>
             <p:nvSpPr>
               <p:cNvPr id="31" name="TextBox 30">
@@ -7662,7 +7662,7 @@
                         <a:rPr lang="en-US" altLang="ko-KR" sz="2400" b="0" i="1" smtClean="0">
                           <a:latin typeface="Cambria Math" panose="02040503050406030204" pitchFamily="18" charset="0"/>
                         </a:rPr>
-                        <m:t>&gt;</m:t>
+                        <m:t>≥</m:t>
                       </m:r>
                       <m:r>
                         <a:rPr lang="en-US" altLang="ko-KR" sz="2400" b="0" i="1" smtClean="0">
